--- a/presentation.pptx
+++ b/presentation.pptx
@@ -4,6 +4,9 @@
   <p:sldMasterIdLst>
     <p:sldMasterId id="2147483648" r:id="rId1"/>
   </p:sldMasterIdLst>
+  <p:notesMasterIdLst>
+    <p:notesMasterId r:id="rId10"/>
+  </p:notesMasterIdLst>
   <p:sldIdLst>
     <p:sldId id="256" r:id="rId2"/>
     <p:sldId id="257" r:id="rId3"/>
@@ -111,7 +114,2197 @@
       </a:defRPr>
     </a:lvl9pPr>
   </p:defaultTextStyle>
+  <p:extLst>
+    <p:ext uri="{EFAFB233-063F-42B5-8137-9DF3F51BA10A}">
+      <p15:sldGuideLst xmlns:p15="http://schemas.microsoft.com/office/powerpoint/2012/main"/>
+    </p:ext>
+  </p:extLst>
 </p:presentation>
+</file>
+
+<file path=ppt/notesMasters/notesMaster1.xml><?xml version="1.0" encoding="utf-8"?>
+<p:notesMaster xmlns:a="http://schemas.openxmlformats.org/drawingml/2006/main" xmlns:r="http://schemas.openxmlformats.org/officeDocument/2006/relationships" xmlns:p="http://schemas.openxmlformats.org/presentationml/2006/main">
+  <p:cSld>
+    <p:bg>
+      <p:bgRef idx="1001">
+        <a:schemeClr val="bg1"/>
+      </p:bgRef>
+    </p:bg>
+    <p:spTree>
+      <p:nvGrpSpPr>
+        <p:cNvPr id="1" name=""/>
+        <p:cNvGrpSpPr/>
+        <p:nvPr/>
+      </p:nvGrpSpPr>
+      <p:grpSpPr>
+        <a:xfrm>
+          <a:off x="0" y="0"/>
+          <a:ext cx="0" cy="0"/>
+          <a:chOff x="0" y="0"/>
+          <a:chExt cx="0" cy="0"/>
+        </a:xfrm>
+      </p:grpSpPr>
+      <p:sp>
+        <p:nvSpPr>
+          <p:cNvPr id="2" name="頁首版面配置區 1"/>
+          <p:cNvSpPr>
+            <a:spLocks noGrp="1"/>
+          </p:cNvSpPr>
+          <p:nvPr>
+            <p:ph type="hdr" sz="quarter"/>
+          </p:nvPr>
+        </p:nvSpPr>
+        <p:spPr>
+          <a:xfrm>
+            <a:off x="0" y="0"/>
+            <a:ext cx="2971800" cy="458788"/>
+          </a:xfrm>
+          <a:prstGeom prst="rect">
+            <a:avLst/>
+          </a:prstGeom>
+        </p:spPr>
+        <p:txBody>
+          <a:bodyPr vert="horz" lIns="91440" tIns="45720" rIns="91440" bIns="45720" rtlCol="0"/>
+          <a:lstStyle>
+            <a:lvl1pPr algn="l">
+              <a:defRPr sz="1200"/>
+            </a:lvl1pPr>
+          </a:lstStyle>
+          <a:p>
+            <a:endParaRPr lang="zh-TW" altLang="en-US"/>
+          </a:p>
+        </p:txBody>
+      </p:sp>
+      <p:sp>
+        <p:nvSpPr>
+          <p:cNvPr id="3" name="日期版面配置區 2"/>
+          <p:cNvSpPr>
+            <a:spLocks noGrp="1"/>
+          </p:cNvSpPr>
+          <p:nvPr>
+            <p:ph type="dt" idx="1"/>
+          </p:nvPr>
+        </p:nvSpPr>
+        <p:spPr>
+          <a:xfrm>
+            <a:off x="3884613" y="0"/>
+            <a:ext cx="2971800" cy="458788"/>
+          </a:xfrm>
+          <a:prstGeom prst="rect">
+            <a:avLst/>
+          </a:prstGeom>
+        </p:spPr>
+        <p:txBody>
+          <a:bodyPr vert="horz" lIns="91440" tIns="45720" rIns="91440" bIns="45720" rtlCol="0"/>
+          <a:lstStyle>
+            <a:lvl1pPr algn="r">
+              <a:defRPr sz="1200"/>
+            </a:lvl1pPr>
+          </a:lstStyle>
+          <a:p>
+            <a:fld id="{844AE198-36C7-4DC6-9B71-74C41D6EC8FF}" type="datetimeFigureOut">
+              <a:rPr lang="zh-TW" altLang="en-US" smtClean="0"/>
+              <a:t>2022/3/30</a:t>
+            </a:fld>
+            <a:endParaRPr lang="zh-TW" altLang="en-US"/>
+          </a:p>
+        </p:txBody>
+      </p:sp>
+      <p:sp>
+        <p:nvSpPr>
+          <p:cNvPr id="4" name="投影片影像版面配置區 3"/>
+          <p:cNvSpPr>
+            <a:spLocks noGrp="1" noRot="1" noChangeAspect="1"/>
+          </p:cNvSpPr>
+          <p:nvPr>
+            <p:ph type="sldImg" idx="2"/>
+          </p:nvPr>
+        </p:nvSpPr>
+        <p:spPr>
+          <a:xfrm>
+            <a:off x="685800" y="1143000"/>
+            <a:ext cx="5486400" cy="3086100"/>
+          </a:xfrm>
+          <a:prstGeom prst="rect">
+            <a:avLst/>
+          </a:prstGeom>
+          <a:noFill/>
+          <a:ln w="12700">
+            <a:solidFill>
+              <a:prstClr val="black"/>
+            </a:solidFill>
+          </a:ln>
+        </p:spPr>
+        <p:txBody>
+          <a:bodyPr vert="horz" lIns="91440" tIns="45720" rIns="91440" bIns="45720" rtlCol="0" anchor="ctr"/>
+          <a:lstStyle/>
+          <a:p>
+            <a:endParaRPr lang="zh-TW" altLang="en-US"/>
+          </a:p>
+        </p:txBody>
+      </p:sp>
+      <p:sp>
+        <p:nvSpPr>
+          <p:cNvPr id="5" name="備忘稿版面配置區 4"/>
+          <p:cNvSpPr>
+            <a:spLocks noGrp="1"/>
+          </p:cNvSpPr>
+          <p:nvPr>
+            <p:ph type="body" sz="quarter" idx="3"/>
+          </p:nvPr>
+        </p:nvSpPr>
+        <p:spPr>
+          <a:xfrm>
+            <a:off x="685800" y="4400550"/>
+            <a:ext cx="5486400" cy="3600450"/>
+          </a:xfrm>
+          <a:prstGeom prst="rect">
+            <a:avLst/>
+          </a:prstGeom>
+        </p:spPr>
+        <p:txBody>
+          <a:bodyPr vert="horz" lIns="91440" tIns="45720" rIns="91440" bIns="45720" rtlCol="0"/>
+          <a:lstStyle/>
+          <a:p>
+            <a:pPr lvl="0"/>
+            <a:r>
+              <a:rPr lang="zh-TW" altLang="en-US"/>
+              <a:t>按一下以編輯母片文字樣式</a:t>
+            </a:r>
+          </a:p>
+          <a:p>
+            <a:pPr lvl="1"/>
+            <a:r>
+              <a:rPr lang="zh-TW" altLang="en-US"/>
+              <a:t>第二層</a:t>
+            </a:r>
+          </a:p>
+          <a:p>
+            <a:pPr lvl="2"/>
+            <a:r>
+              <a:rPr lang="zh-TW" altLang="en-US"/>
+              <a:t>第三層</a:t>
+            </a:r>
+          </a:p>
+          <a:p>
+            <a:pPr lvl="3"/>
+            <a:r>
+              <a:rPr lang="zh-TW" altLang="en-US"/>
+              <a:t>第四層</a:t>
+            </a:r>
+          </a:p>
+          <a:p>
+            <a:pPr lvl="4"/>
+            <a:r>
+              <a:rPr lang="zh-TW" altLang="en-US"/>
+              <a:t>第五層</a:t>
+            </a:r>
+          </a:p>
+        </p:txBody>
+      </p:sp>
+      <p:sp>
+        <p:nvSpPr>
+          <p:cNvPr id="6" name="頁尾版面配置區 5"/>
+          <p:cNvSpPr>
+            <a:spLocks noGrp="1"/>
+          </p:cNvSpPr>
+          <p:nvPr>
+            <p:ph type="ftr" sz="quarter" idx="4"/>
+          </p:nvPr>
+        </p:nvSpPr>
+        <p:spPr>
+          <a:xfrm>
+            <a:off x="0" y="8685213"/>
+            <a:ext cx="2971800" cy="458787"/>
+          </a:xfrm>
+          <a:prstGeom prst="rect">
+            <a:avLst/>
+          </a:prstGeom>
+        </p:spPr>
+        <p:txBody>
+          <a:bodyPr vert="horz" lIns="91440" tIns="45720" rIns="91440" bIns="45720" rtlCol="0" anchor="b"/>
+          <a:lstStyle>
+            <a:lvl1pPr algn="l">
+              <a:defRPr sz="1200"/>
+            </a:lvl1pPr>
+          </a:lstStyle>
+          <a:p>
+            <a:endParaRPr lang="zh-TW" altLang="en-US"/>
+          </a:p>
+        </p:txBody>
+      </p:sp>
+      <p:sp>
+        <p:nvSpPr>
+          <p:cNvPr id="7" name="投影片編號版面配置區 6"/>
+          <p:cNvSpPr>
+            <a:spLocks noGrp="1"/>
+          </p:cNvSpPr>
+          <p:nvPr>
+            <p:ph type="sldNum" sz="quarter" idx="5"/>
+          </p:nvPr>
+        </p:nvSpPr>
+        <p:spPr>
+          <a:xfrm>
+            <a:off x="3884613" y="8685213"/>
+            <a:ext cx="2971800" cy="458787"/>
+          </a:xfrm>
+          <a:prstGeom prst="rect">
+            <a:avLst/>
+          </a:prstGeom>
+        </p:spPr>
+        <p:txBody>
+          <a:bodyPr vert="horz" lIns="91440" tIns="45720" rIns="91440" bIns="45720" rtlCol="0" anchor="b"/>
+          <a:lstStyle>
+            <a:lvl1pPr algn="r">
+              <a:defRPr sz="1200"/>
+            </a:lvl1pPr>
+          </a:lstStyle>
+          <a:p>
+            <a:fld id="{C65BFE59-4538-417D-9D46-B7E88707887C}" type="slidenum">
+              <a:rPr lang="zh-TW" altLang="en-US" smtClean="0"/>
+              <a:t>‹#›</a:t>
+            </a:fld>
+            <a:endParaRPr lang="zh-TW" altLang="en-US"/>
+          </a:p>
+        </p:txBody>
+      </p:sp>
+    </p:spTree>
+    <p:extLst>
+      <p:ext uri="{BB962C8B-B14F-4D97-AF65-F5344CB8AC3E}">
+        <p14:creationId xmlns:p14="http://schemas.microsoft.com/office/powerpoint/2010/main" val="2693730149"/>
+      </p:ext>
+    </p:extLst>
+  </p:cSld>
+  <p:clrMap bg1="lt1" tx1="dk1" bg2="lt2" tx2="dk2" accent1="accent1" accent2="accent2" accent3="accent3" accent4="accent4" accent5="accent5" accent6="accent6" hlink="hlink" folHlink="folHlink"/>
+  <p:notesStyle>
+    <a:lvl1pPr marL="0" algn="l" defTabSz="914400" rtl="0" eaLnBrk="1" latinLnBrk="0" hangingPunct="1">
+      <a:defRPr sz="1200" kern="1200">
+        <a:solidFill>
+          <a:schemeClr val="tx1"/>
+        </a:solidFill>
+        <a:latin typeface="+mn-lt"/>
+        <a:ea typeface="+mn-ea"/>
+        <a:cs typeface="+mn-cs"/>
+      </a:defRPr>
+    </a:lvl1pPr>
+    <a:lvl2pPr marL="457200" algn="l" defTabSz="914400" rtl="0" eaLnBrk="1" latinLnBrk="0" hangingPunct="1">
+      <a:defRPr sz="1200" kern="1200">
+        <a:solidFill>
+          <a:schemeClr val="tx1"/>
+        </a:solidFill>
+        <a:latin typeface="+mn-lt"/>
+        <a:ea typeface="+mn-ea"/>
+        <a:cs typeface="+mn-cs"/>
+      </a:defRPr>
+    </a:lvl2pPr>
+    <a:lvl3pPr marL="914400" algn="l" defTabSz="914400" rtl="0" eaLnBrk="1" latinLnBrk="0" hangingPunct="1">
+      <a:defRPr sz="1200" kern="1200">
+        <a:solidFill>
+          <a:schemeClr val="tx1"/>
+        </a:solidFill>
+        <a:latin typeface="+mn-lt"/>
+        <a:ea typeface="+mn-ea"/>
+        <a:cs typeface="+mn-cs"/>
+      </a:defRPr>
+    </a:lvl3pPr>
+    <a:lvl4pPr marL="1371600" algn="l" defTabSz="914400" rtl="0" eaLnBrk="1" latinLnBrk="0" hangingPunct="1">
+      <a:defRPr sz="1200" kern="1200">
+        <a:solidFill>
+          <a:schemeClr val="tx1"/>
+        </a:solidFill>
+        <a:latin typeface="+mn-lt"/>
+        <a:ea typeface="+mn-ea"/>
+        <a:cs typeface="+mn-cs"/>
+      </a:defRPr>
+    </a:lvl4pPr>
+    <a:lvl5pPr marL="1828800" algn="l" defTabSz="914400" rtl="0" eaLnBrk="1" latinLnBrk="0" hangingPunct="1">
+      <a:defRPr sz="1200" kern="1200">
+        <a:solidFill>
+          <a:schemeClr val="tx1"/>
+        </a:solidFill>
+        <a:latin typeface="+mn-lt"/>
+        <a:ea typeface="+mn-ea"/>
+        <a:cs typeface="+mn-cs"/>
+      </a:defRPr>
+    </a:lvl5pPr>
+    <a:lvl6pPr marL="2286000" algn="l" defTabSz="914400" rtl="0" eaLnBrk="1" latinLnBrk="0" hangingPunct="1">
+      <a:defRPr sz="1200" kern="1200">
+        <a:solidFill>
+          <a:schemeClr val="tx1"/>
+        </a:solidFill>
+        <a:latin typeface="+mn-lt"/>
+        <a:ea typeface="+mn-ea"/>
+        <a:cs typeface="+mn-cs"/>
+      </a:defRPr>
+    </a:lvl6pPr>
+    <a:lvl7pPr marL="2743200" algn="l" defTabSz="914400" rtl="0" eaLnBrk="1" latinLnBrk="0" hangingPunct="1">
+      <a:defRPr sz="1200" kern="1200">
+        <a:solidFill>
+          <a:schemeClr val="tx1"/>
+        </a:solidFill>
+        <a:latin typeface="+mn-lt"/>
+        <a:ea typeface="+mn-ea"/>
+        <a:cs typeface="+mn-cs"/>
+      </a:defRPr>
+    </a:lvl7pPr>
+    <a:lvl8pPr marL="3200400" algn="l" defTabSz="914400" rtl="0" eaLnBrk="1" latinLnBrk="0" hangingPunct="1">
+      <a:defRPr sz="1200" kern="1200">
+        <a:solidFill>
+          <a:schemeClr val="tx1"/>
+        </a:solidFill>
+        <a:latin typeface="+mn-lt"/>
+        <a:ea typeface="+mn-ea"/>
+        <a:cs typeface="+mn-cs"/>
+      </a:defRPr>
+    </a:lvl8pPr>
+    <a:lvl9pPr marL="3657600" algn="l" defTabSz="914400" rtl="0" eaLnBrk="1" latinLnBrk="0" hangingPunct="1">
+      <a:defRPr sz="1200" kern="1200">
+        <a:solidFill>
+          <a:schemeClr val="tx1"/>
+        </a:solidFill>
+        <a:latin typeface="+mn-lt"/>
+        <a:ea typeface="+mn-ea"/>
+        <a:cs typeface="+mn-cs"/>
+      </a:defRPr>
+    </a:lvl9pPr>
+  </p:notesStyle>
+</p:notesMaster>
+</file>
+
+<file path=ppt/notesSlides/notesSlide1.xml><?xml version="1.0" encoding="utf-8"?>
+<p:notes xmlns:a="http://schemas.openxmlformats.org/drawingml/2006/main" xmlns:r="http://schemas.openxmlformats.org/officeDocument/2006/relationships" xmlns:p="http://schemas.openxmlformats.org/presentationml/2006/main">
+  <p:cSld>
+    <p:spTree>
+      <p:nvGrpSpPr>
+        <p:cNvPr id="1" name=""/>
+        <p:cNvGrpSpPr/>
+        <p:nvPr/>
+      </p:nvGrpSpPr>
+      <p:grpSpPr>
+        <a:xfrm>
+          <a:off x="0" y="0"/>
+          <a:ext cx="0" cy="0"/>
+          <a:chOff x="0" y="0"/>
+          <a:chExt cx="0" cy="0"/>
+        </a:xfrm>
+      </p:grpSpPr>
+      <p:sp>
+        <p:nvSpPr>
+          <p:cNvPr id="2" name="投影片影像版面配置區 1"/>
+          <p:cNvSpPr>
+            <a:spLocks noGrp="1" noRot="1" noChangeAspect="1"/>
+          </p:cNvSpPr>
+          <p:nvPr>
+            <p:ph type="sldImg"/>
+          </p:nvPr>
+        </p:nvSpPr>
+        <p:spPr/>
+      </p:sp>
+      <p:sp>
+        <p:nvSpPr>
+          <p:cNvPr id="3" name="備忘稿版面配置區 2"/>
+          <p:cNvSpPr>
+            <a:spLocks noGrp="1"/>
+          </p:cNvSpPr>
+          <p:nvPr>
+            <p:ph type="body" idx="1"/>
+          </p:nvPr>
+        </p:nvSpPr>
+        <p:spPr/>
+        <p:txBody>
+          <a:bodyPr/>
+          <a:lstStyle/>
+          <a:p>
+            <a:endParaRPr lang="zh-TW" altLang="en-US" dirty="0"/>
+          </a:p>
+        </p:txBody>
+      </p:sp>
+      <p:sp>
+        <p:nvSpPr>
+          <p:cNvPr id="4" name="投影片編號版面配置區 3"/>
+          <p:cNvSpPr>
+            <a:spLocks noGrp="1"/>
+          </p:cNvSpPr>
+          <p:nvPr>
+            <p:ph type="sldNum" sz="quarter" idx="5"/>
+          </p:nvPr>
+        </p:nvSpPr>
+        <p:spPr/>
+        <p:txBody>
+          <a:bodyPr/>
+          <a:lstStyle/>
+          <a:p>
+            <a:fld id="{C65BFE59-4538-417D-9D46-B7E88707887C}" type="slidenum">
+              <a:rPr lang="zh-TW" altLang="en-US" smtClean="0"/>
+              <a:t>1</a:t>
+            </a:fld>
+            <a:endParaRPr lang="zh-TW" altLang="en-US"/>
+          </a:p>
+        </p:txBody>
+      </p:sp>
+    </p:spTree>
+    <p:extLst>
+      <p:ext uri="{BB962C8B-B14F-4D97-AF65-F5344CB8AC3E}">
+        <p14:creationId xmlns:p14="http://schemas.microsoft.com/office/powerpoint/2010/main" val="1940494719"/>
+      </p:ext>
+    </p:extLst>
+  </p:cSld>
+  <p:clrMapOvr>
+    <a:masterClrMapping/>
+  </p:clrMapOvr>
+</p:notes>
+</file>
+
+<file path=ppt/notesSlides/notesSlide2.xml><?xml version="1.0" encoding="utf-8"?>
+<p:notes xmlns:a="http://schemas.openxmlformats.org/drawingml/2006/main" xmlns:r="http://schemas.openxmlformats.org/officeDocument/2006/relationships" xmlns:p="http://schemas.openxmlformats.org/presentationml/2006/main">
+  <p:cSld>
+    <p:spTree>
+      <p:nvGrpSpPr>
+        <p:cNvPr id="1" name=""/>
+        <p:cNvGrpSpPr/>
+        <p:nvPr/>
+      </p:nvGrpSpPr>
+      <p:grpSpPr>
+        <a:xfrm>
+          <a:off x="0" y="0"/>
+          <a:ext cx="0" cy="0"/>
+          <a:chOff x="0" y="0"/>
+          <a:chExt cx="0" cy="0"/>
+        </a:xfrm>
+      </p:grpSpPr>
+      <p:sp>
+        <p:nvSpPr>
+          <p:cNvPr id="2" name="投影片影像版面配置區 1"/>
+          <p:cNvSpPr>
+            <a:spLocks noGrp="1" noRot="1" noChangeAspect="1"/>
+          </p:cNvSpPr>
+          <p:nvPr>
+            <p:ph type="sldImg"/>
+          </p:nvPr>
+        </p:nvSpPr>
+        <p:spPr/>
+      </p:sp>
+      <p:sp>
+        <p:nvSpPr>
+          <p:cNvPr id="3" name="備忘稿版面配置區 2"/>
+          <p:cNvSpPr>
+            <a:spLocks noGrp="1"/>
+          </p:cNvSpPr>
+          <p:nvPr>
+            <p:ph type="body" idx="1"/>
+          </p:nvPr>
+        </p:nvSpPr>
+        <p:spPr/>
+        <p:txBody>
+          <a:bodyPr/>
+          <a:lstStyle/>
+          <a:p>
+            <a:r>
+              <a:rPr lang="zh-TW" altLang="en-US" dirty="0"/>
+              <a:t>大家好，我要介紹的是</a:t>
+            </a:r>
+            <a:r>
+              <a:rPr lang="en-US" altLang="zh-TW" dirty="0" err="1"/>
+              <a:t>labB</a:t>
+            </a:r>
+            <a:r>
+              <a:rPr lang="zh-TW" altLang="en-US" dirty="0"/>
+              <a:t>的第九個題目，是做</a:t>
+            </a:r>
+            <a:r>
+              <a:rPr lang="en-US" altLang="zh-TW" dirty="0"/>
+              <a:t>sparse matrix</a:t>
+            </a:r>
+            <a:r>
+              <a:rPr lang="zh-TW" altLang="en-US" dirty="0"/>
+              <a:t>的計算，</a:t>
+            </a:r>
+            <a:r>
+              <a:rPr lang="en-US" altLang="zh-TW" dirty="0"/>
+              <a:t>sparse matrix</a:t>
+            </a:r>
+            <a:r>
+              <a:rPr lang="zh-TW" altLang="en-US" dirty="0"/>
+              <a:t>不同於一般我們常見的</a:t>
+            </a:r>
+            <a:r>
+              <a:rPr lang="en-US" altLang="zh-TW" dirty="0"/>
+              <a:t>matrix</a:t>
+            </a:r>
+          </a:p>
+          <a:p>
+            <a:r>
+              <a:rPr lang="zh-TW" altLang="en-US" dirty="0"/>
+              <a:t>其中大部分的</a:t>
+            </a:r>
+            <a:r>
+              <a:rPr lang="en-US" altLang="zh-TW" dirty="0"/>
+              <a:t>data</a:t>
+            </a:r>
+            <a:r>
+              <a:rPr lang="zh-TW" altLang="en-US" dirty="0"/>
+              <a:t>是</a:t>
+            </a:r>
+            <a:r>
+              <a:rPr lang="en-US" altLang="zh-TW" dirty="0"/>
+              <a:t>0</a:t>
+            </a:r>
+            <a:r>
+              <a:rPr lang="zh-TW" altLang="en-US" dirty="0"/>
+              <a:t>，而我們知道</a:t>
+            </a:r>
+            <a:r>
+              <a:rPr lang="en-US" altLang="zh-TW" dirty="0"/>
+              <a:t>0</a:t>
+            </a:r>
+            <a:r>
+              <a:rPr lang="zh-TW" altLang="en-US" dirty="0"/>
+              <a:t>乘予任何數都為</a:t>
+            </a:r>
+            <a:r>
+              <a:rPr lang="en-US" altLang="zh-TW" dirty="0"/>
+              <a:t>0</a:t>
+            </a:r>
+            <a:r>
+              <a:rPr lang="zh-TW" altLang="en-US" dirty="0"/>
+              <a:t>，也就是如果按照一般矩陣乘法的方式做</a:t>
+            </a:r>
+            <a:r>
+              <a:rPr lang="en-US" altLang="zh-TW" dirty="0"/>
+              <a:t>sparse</a:t>
+            </a:r>
+            <a:r>
+              <a:rPr lang="zh-TW" altLang="en-US" dirty="0"/>
+              <a:t> </a:t>
+            </a:r>
+            <a:r>
+              <a:rPr lang="en-US" altLang="zh-TW" dirty="0"/>
+              <a:t>matrix</a:t>
+            </a:r>
+            <a:r>
+              <a:rPr lang="zh-TW" altLang="en-US" dirty="0"/>
+              <a:t>的乘法</a:t>
+            </a:r>
+            <a:endParaRPr lang="en-US" altLang="zh-TW" dirty="0"/>
+          </a:p>
+          <a:p>
+            <a:r>
+              <a:rPr lang="zh-TW" altLang="en-US" dirty="0"/>
+              <a:t>會有很多計算被浪費掉。</a:t>
+            </a:r>
+            <a:endParaRPr lang="en-US" altLang="zh-TW" dirty="0"/>
+          </a:p>
+          <a:p>
+            <a:endParaRPr lang="en-US" altLang="zh-TW" dirty="0"/>
+          </a:p>
+          <a:p>
+            <a:r>
+              <a:rPr lang="zh-TW" altLang="en-US" dirty="0"/>
+              <a:t>所以在執行</a:t>
+            </a:r>
+            <a:r>
+              <a:rPr lang="en-US" altLang="zh-TW" dirty="0"/>
+              <a:t>sparse matrix</a:t>
+            </a:r>
+            <a:r>
+              <a:rPr lang="zh-TW" altLang="en-US" dirty="0"/>
+              <a:t>乘法時，我們會使用一種特別的資料結構，叫</a:t>
+            </a:r>
+            <a:r>
+              <a:rPr lang="en-US" altLang="zh-TW" dirty="0"/>
+              <a:t>CRS</a:t>
+            </a:r>
+            <a:r>
+              <a:rPr lang="zh-TW" altLang="en-US" dirty="0"/>
+              <a:t>，我們會將</a:t>
+            </a:r>
+            <a:r>
+              <a:rPr lang="en-US" altLang="zh-TW" dirty="0"/>
+              <a:t>data</a:t>
+            </a:r>
+            <a:r>
+              <a:rPr lang="zh-TW" altLang="en-US" dirty="0"/>
+              <a:t>分為三個</a:t>
+            </a:r>
+            <a:r>
+              <a:rPr lang="en-US" altLang="zh-TW" dirty="0"/>
+              <a:t>array</a:t>
+            </a:r>
+            <a:r>
+              <a:rPr lang="zh-TW" altLang="en-US" dirty="0"/>
+              <a:t>儲存，</a:t>
+            </a:r>
+            <a:r>
+              <a:rPr lang="en-US" altLang="zh-TW" dirty="0"/>
+              <a:t>values array</a:t>
+            </a:r>
+            <a:r>
+              <a:rPr lang="zh-TW" altLang="en-US" dirty="0"/>
+              <a:t>存</a:t>
+            </a:r>
+            <a:r>
+              <a:rPr lang="en-US" altLang="zh-TW" dirty="0"/>
+              <a:t>sparse matrix</a:t>
+            </a:r>
+            <a:r>
+              <a:rPr lang="zh-TW" altLang="en-US" dirty="0"/>
+              <a:t>中非零的數值</a:t>
+            </a:r>
+            <a:endParaRPr lang="en-US" altLang="zh-TW" dirty="0"/>
+          </a:p>
+          <a:p>
+            <a:r>
+              <a:rPr lang="en-US" altLang="zh-TW" dirty="0" err="1"/>
+              <a:t>Columindex</a:t>
+            </a:r>
+            <a:r>
+              <a:rPr lang="zh-TW" altLang="en-US" dirty="0"/>
+              <a:t>則是存</a:t>
+            </a:r>
+            <a:r>
+              <a:rPr lang="en-US" altLang="zh-TW" dirty="0"/>
+              <a:t>value</a:t>
+            </a:r>
+            <a:r>
+              <a:rPr lang="zh-TW" altLang="en-US" dirty="0"/>
+              <a:t>所在的</a:t>
+            </a:r>
+            <a:r>
+              <a:rPr lang="en-US" altLang="zh-TW" dirty="0" err="1"/>
+              <a:t>colum</a:t>
+            </a:r>
+            <a:r>
+              <a:rPr lang="en-US" altLang="zh-TW" dirty="0"/>
+              <a:t> index</a:t>
+            </a:r>
+            <a:r>
+              <a:rPr lang="zh-TW" altLang="en-US" dirty="0"/>
+              <a:t>，如範例</a:t>
+            </a:r>
+            <a:r>
+              <a:rPr lang="en-US" altLang="zh-TW" dirty="0"/>
+              <a:t>row1 1</a:t>
+            </a:r>
+            <a:r>
+              <a:rPr lang="zh-TW" altLang="en-US" dirty="0"/>
+              <a:t>的</a:t>
+            </a:r>
+            <a:r>
+              <a:rPr lang="en-US" altLang="zh-TW" dirty="0"/>
+              <a:t>col index</a:t>
+            </a:r>
+            <a:r>
+              <a:rPr lang="zh-TW" altLang="en-US" dirty="0"/>
+              <a:t>就是</a:t>
+            </a:r>
+            <a:r>
+              <a:rPr lang="en-US" altLang="zh-TW" dirty="0"/>
+              <a:t>2 </a:t>
+            </a:r>
+            <a:r>
+              <a:rPr lang="zh-TW" altLang="en-US" dirty="0"/>
+              <a:t>而</a:t>
+            </a:r>
+            <a:r>
+              <a:rPr lang="en-US" altLang="zh-TW" dirty="0"/>
+              <a:t>row1</a:t>
+            </a:r>
+            <a:r>
+              <a:rPr lang="zh-TW" altLang="en-US" dirty="0"/>
+              <a:t> </a:t>
+            </a:r>
+            <a:r>
+              <a:rPr lang="en-US" altLang="zh-TW" dirty="0"/>
+              <a:t>2 </a:t>
+            </a:r>
+            <a:r>
+              <a:rPr lang="zh-TW" altLang="en-US" dirty="0"/>
+              <a:t>的</a:t>
+            </a:r>
+            <a:r>
+              <a:rPr lang="en-US" altLang="zh-TW" dirty="0"/>
+              <a:t>col index</a:t>
+            </a:r>
+            <a:r>
+              <a:rPr lang="zh-TW" altLang="en-US" dirty="0"/>
+              <a:t>就是 </a:t>
+            </a:r>
+            <a:r>
+              <a:rPr lang="en-US" altLang="zh-TW" dirty="0"/>
+              <a:t>3</a:t>
+            </a:r>
+          </a:p>
+          <a:p>
+            <a:r>
+              <a:rPr lang="zh-TW" altLang="en-US" dirty="0"/>
+              <a:t>而最後</a:t>
+            </a:r>
+            <a:r>
+              <a:rPr lang="en-US" altLang="zh-TW" dirty="0" err="1"/>
+              <a:t>rowPtr</a:t>
+            </a:r>
+            <a:r>
+              <a:rPr lang="zh-TW" altLang="en-US" dirty="0"/>
+              <a:t>則是將每個</a:t>
+            </a:r>
+            <a:r>
+              <a:rPr lang="en-US" altLang="zh-TW" dirty="0"/>
+              <a:t>row</a:t>
+            </a:r>
+            <a:r>
+              <a:rPr lang="zh-TW" altLang="en-US" dirty="0"/>
+              <a:t>存在非零的數的數量做一個加總，且第一個數字一定為</a:t>
+            </a:r>
+            <a:r>
+              <a:rPr lang="en-US" altLang="zh-TW" dirty="0"/>
+              <a:t>0</a:t>
+            </a:r>
+            <a:r>
+              <a:rPr lang="zh-TW" altLang="en-US" dirty="0"/>
+              <a:t>，如</a:t>
+            </a:r>
+            <a:r>
+              <a:rPr lang="en-US" altLang="zh-TW" dirty="0"/>
+              <a:t>row1</a:t>
+            </a:r>
+            <a:r>
+              <a:rPr lang="zh-TW" altLang="en-US" dirty="0"/>
+              <a:t>有兩個非零的數，使得</a:t>
+            </a:r>
+            <a:r>
+              <a:rPr lang="en-US" altLang="zh-TW" dirty="0" err="1"/>
+              <a:t>rowPtr</a:t>
+            </a:r>
+            <a:r>
+              <a:rPr lang="zh-TW" altLang="en-US" dirty="0"/>
+              <a:t>為</a:t>
+            </a:r>
+            <a:r>
+              <a:rPr lang="en-US" altLang="zh-TW" dirty="0"/>
+              <a:t>2, row2 </a:t>
+            </a:r>
+            <a:r>
+              <a:rPr lang="zh-TW" altLang="en-US" dirty="0"/>
+              <a:t>也有兩個使得</a:t>
+            </a:r>
+            <a:r>
+              <a:rPr lang="en-US" altLang="zh-TW" dirty="0" err="1"/>
+              <a:t>rowPtr</a:t>
+            </a:r>
+            <a:r>
+              <a:rPr lang="zh-TW" altLang="en-US" dirty="0"/>
+              <a:t>為 </a:t>
+            </a:r>
+            <a:r>
+              <a:rPr lang="en-US" altLang="zh-TW" dirty="0"/>
+              <a:t>2 + 2 = 4 </a:t>
+            </a:r>
+          </a:p>
+        </p:txBody>
+      </p:sp>
+      <p:sp>
+        <p:nvSpPr>
+          <p:cNvPr id="4" name="投影片編號版面配置區 3"/>
+          <p:cNvSpPr>
+            <a:spLocks noGrp="1"/>
+          </p:cNvSpPr>
+          <p:nvPr>
+            <p:ph type="sldNum" sz="quarter" idx="5"/>
+          </p:nvPr>
+        </p:nvSpPr>
+        <p:spPr/>
+        <p:txBody>
+          <a:bodyPr/>
+          <a:lstStyle/>
+          <a:p>
+            <a:fld id="{C65BFE59-4538-417D-9D46-B7E88707887C}" type="slidenum">
+              <a:rPr lang="zh-TW" altLang="en-US" smtClean="0"/>
+              <a:t>2</a:t>
+            </a:fld>
+            <a:endParaRPr lang="zh-TW" altLang="en-US"/>
+          </a:p>
+        </p:txBody>
+      </p:sp>
+    </p:spTree>
+    <p:extLst>
+      <p:ext uri="{BB962C8B-B14F-4D97-AF65-F5344CB8AC3E}">
+        <p14:creationId xmlns:p14="http://schemas.microsoft.com/office/powerpoint/2010/main" val="1760608959"/>
+      </p:ext>
+    </p:extLst>
+  </p:cSld>
+  <p:clrMapOvr>
+    <a:masterClrMapping/>
+  </p:clrMapOvr>
+</p:notes>
+</file>
+
+<file path=ppt/notesSlides/notesSlide3.xml><?xml version="1.0" encoding="utf-8"?>
+<p:notes xmlns:a="http://schemas.openxmlformats.org/drawingml/2006/main" xmlns:r="http://schemas.openxmlformats.org/officeDocument/2006/relationships" xmlns:p="http://schemas.openxmlformats.org/presentationml/2006/main">
+  <p:cSld>
+    <p:spTree>
+      <p:nvGrpSpPr>
+        <p:cNvPr id="1" name=""/>
+        <p:cNvGrpSpPr/>
+        <p:nvPr/>
+      </p:nvGrpSpPr>
+      <p:grpSpPr>
+        <a:xfrm>
+          <a:off x="0" y="0"/>
+          <a:ext cx="0" cy="0"/>
+          <a:chOff x="0" y="0"/>
+          <a:chExt cx="0" cy="0"/>
+        </a:xfrm>
+      </p:grpSpPr>
+      <p:sp>
+        <p:nvSpPr>
+          <p:cNvPr id="2" name="投影片影像版面配置區 1"/>
+          <p:cNvSpPr>
+            <a:spLocks noGrp="1" noRot="1" noChangeAspect="1"/>
+          </p:cNvSpPr>
+          <p:nvPr>
+            <p:ph type="sldImg"/>
+          </p:nvPr>
+        </p:nvSpPr>
+        <p:spPr/>
+      </p:sp>
+      <p:sp>
+        <p:nvSpPr>
+          <p:cNvPr id="3" name="備忘稿版面配置區 2"/>
+          <p:cNvSpPr>
+            <a:spLocks noGrp="1"/>
+          </p:cNvSpPr>
+          <p:nvPr>
+            <p:ph type="body" idx="1"/>
+          </p:nvPr>
+        </p:nvSpPr>
+        <p:spPr/>
+        <p:txBody>
+          <a:bodyPr/>
+          <a:lstStyle/>
+          <a:p>
+            <a:r>
+              <a:rPr lang="zh-TW" altLang="en-US" dirty="0"/>
+              <a:t>在了解演算法的實作後，我們就可以開始設計</a:t>
+            </a:r>
+            <a:r>
+              <a:rPr lang="en-US" altLang="zh-TW" dirty="0"/>
+              <a:t>kernel function</a:t>
+            </a:r>
+            <a:r>
+              <a:rPr lang="zh-TW" altLang="en-US" dirty="0"/>
+              <a:t>，其中會需要兩個</a:t>
+            </a:r>
+            <a:r>
+              <a:rPr lang="en-US" altLang="zh-TW" dirty="0"/>
+              <a:t>loop</a:t>
+            </a:r>
+            <a:r>
+              <a:rPr lang="zh-TW" altLang="en-US" dirty="0"/>
+              <a:t>，第一個</a:t>
+            </a:r>
+            <a:r>
+              <a:rPr lang="en-US" altLang="zh-TW" dirty="0"/>
+              <a:t>loop</a:t>
+            </a:r>
+            <a:r>
+              <a:rPr lang="zh-TW" altLang="en-US" dirty="0"/>
+              <a:t>為</a:t>
+            </a:r>
+            <a:r>
+              <a:rPr lang="en-US" altLang="zh-TW" dirty="0"/>
+              <a:t>rows</a:t>
+            </a:r>
+            <a:r>
+              <a:rPr lang="zh-TW" altLang="en-US" dirty="0"/>
+              <a:t>的數量，第二個</a:t>
+            </a:r>
+            <a:r>
+              <a:rPr lang="en-US" altLang="zh-TW" dirty="0"/>
+              <a:t>loop</a:t>
+            </a:r>
+            <a:r>
+              <a:rPr lang="zh-TW" altLang="en-US" dirty="0"/>
+              <a:t>為每個</a:t>
+            </a:r>
+            <a:r>
+              <a:rPr lang="en-US" altLang="zh-TW" dirty="0"/>
+              <a:t>row</a:t>
+            </a:r>
+            <a:r>
+              <a:rPr lang="zh-TW" altLang="en-US" dirty="0"/>
+              <a:t>存在非零</a:t>
+            </a:r>
+            <a:r>
+              <a:rPr lang="en-US" altLang="zh-TW" dirty="0"/>
+              <a:t>data</a:t>
+            </a:r>
+            <a:r>
+              <a:rPr lang="zh-TW" altLang="en-US" dirty="0"/>
+              <a:t>的數量。</a:t>
+            </a:r>
+            <a:endParaRPr lang="en-US" altLang="zh-TW" dirty="0"/>
+          </a:p>
+          <a:p>
+            <a:r>
+              <a:rPr lang="zh-TW" altLang="en-US" dirty="0"/>
+              <a:t>而在第二個</a:t>
+            </a:r>
+            <a:r>
+              <a:rPr lang="en-US" altLang="zh-TW" dirty="0"/>
+              <a:t>loop</a:t>
+            </a:r>
+            <a:r>
+              <a:rPr lang="zh-TW" altLang="en-US" dirty="0"/>
+              <a:t>中則會根據</a:t>
+            </a:r>
+            <a:r>
+              <a:rPr lang="en-US" altLang="zh-TW" dirty="0"/>
+              <a:t>k </a:t>
+            </a:r>
+            <a:r>
+              <a:rPr lang="zh-TW" altLang="en-US" dirty="0"/>
+              <a:t>也就是非零</a:t>
+            </a:r>
+            <a:r>
+              <a:rPr lang="en-US" altLang="zh-TW" dirty="0"/>
+              <a:t>data</a:t>
+            </a:r>
+            <a:r>
+              <a:rPr lang="zh-TW" altLang="en-US" dirty="0"/>
+              <a:t>累積的數量去取得</a:t>
+            </a:r>
+            <a:r>
+              <a:rPr lang="en-US" altLang="zh-TW" dirty="0"/>
+              <a:t>values</a:t>
+            </a:r>
+            <a:r>
+              <a:rPr lang="zh-TW" altLang="en-US" dirty="0"/>
+              <a:t>並使用</a:t>
+            </a:r>
+            <a:r>
+              <a:rPr lang="en-US" altLang="zh-TW" dirty="0" err="1"/>
+              <a:t>columnindex</a:t>
+            </a:r>
+            <a:r>
+              <a:rPr lang="zh-TW" altLang="en-US" dirty="0"/>
+              <a:t>找到在</a:t>
+            </a:r>
+            <a:r>
+              <a:rPr lang="en-US" altLang="zh-TW" dirty="0"/>
+              <a:t>x array</a:t>
+            </a:r>
+            <a:r>
+              <a:rPr lang="zh-TW" altLang="en-US" dirty="0"/>
+              <a:t>對應的質，進行計算。</a:t>
+            </a:r>
+            <a:endParaRPr lang="en-US" altLang="zh-TW" dirty="0"/>
+          </a:p>
+          <a:p>
+            <a:r>
+              <a:rPr lang="zh-TW" altLang="en-US" dirty="0"/>
+              <a:t>最後再將結果存回</a:t>
+            </a:r>
+            <a:r>
+              <a:rPr lang="en-US" altLang="zh-TW" dirty="0"/>
+              <a:t>y array</a:t>
+            </a:r>
+          </a:p>
+        </p:txBody>
+      </p:sp>
+      <p:sp>
+        <p:nvSpPr>
+          <p:cNvPr id="4" name="投影片編號版面配置區 3"/>
+          <p:cNvSpPr>
+            <a:spLocks noGrp="1"/>
+          </p:cNvSpPr>
+          <p:nvPr>
+            <p:ph type="sldNum" sz="quarter" idx="5"/>
+          </p:nvPr>
+        </p:nvSpPr>
+        <p:spPr/>
+        <p:txBody>
+          <a:bodyPr/>
+          <a:lstStyle/>
+          <a:p>
+            <a:fld id="{C65BFE59-4538-417D-9D46-B7E88707887C}" type="slidenum">
+              <a:rPr lang="zh-TW" altLang="en-US" smtClean="0"/>
+              <a:t>3</a:t>
+            </a:fld>
+            <a:endParaRPr lang="zh-TW" altLang="en-US"/>
+          </a:p>
+        </p:txBody>
+      </p:sp>
+    </p:spTree>
+    <p:extLst>
+      <p:ext uri="{BB962C8B-B14F-4D97-AF65-F5344CB8AC3E}">
+        <p14:creationId xmlns:p14="http://schemas.microsoft.com/office/powerpoint/2010/main" val="477836378"/>
+      </p:ext>
+    </p:extLst>
+  </p:cSld>
+  <p:clrMapOvr>
+    <a:masterClrMapping/>
+  </p:clrMapOvr>
+</p:notes>
+</file>
+
+<file path=ppt/notesSlides/notesSlide4.xml><?xml version="1.0" encoding="utf-8"?>
+<p:notes xmlns:a="http://schemas.openxmlformats.org/drawingml/2006/main" xmlns:r="http://schemas.openxmlformats.org/officeDocument/2006/relationships" xmlns:p="http://schemas.openxmlformats.org/presentationml/2006/main">
+  <p:cSld>
+    <p:spTree>
+      <p:nvGrpSpPr>
+        <p:cNvPr id="1" name=""/>
+        <p:cNvGrpSpPr/>
+        <p:nvPr/>
+      </p:nvGrpSpPr>
+      <p:grpSpPr>
+        <a:xfrm>
+          <a:off x="0" y="0"/>
+          <a:ext cx="0" cy="0"/>
+          <a:chOff x="0" y="0"/>
+          <a:chExt cx="0" cy="0"/>
+        </a:xfrm>
+      </p:grpSpPr>
+      <p:sp>
+        <p:nvSpPr>
+          <p:cNvPr id="2" name="投影片影像版面配置區 1"/>
+          <p:cNvSpPr>
+            <a:spLocks noGrp="1" noRot="1" noChangeAspect="1"/>
+          </p:cNvSpPr>
+          <p:nvPr>
+            <p:ph type="sldImg"/>
+          </p:nvPr>
+        </p:nvSpPr>
+        <p:spPr/>
+      </p:sp>
+      <p:sp>
+        <p:nvSpPr>
+          <p:cNvPr id="3" name="備忘稿版面配置區 2"/>
+          <p:cNvSpPr>
+            <a:spLocks noGrp="1"/>
+          </p:cNvSpPr>
+          <p:nvPr>
+            <p:ph type="body" idx="1"/>
+          </p:nvPr>
+        </p:nvSpPr>
+        <p:spPr/>
+        <p:txBody>
+          <a:bodyPr/>
+          <a:lstStyle/>
+          <a:p>
+            <a:r>
+              <a:rPr lang="zh-TW" altLang="en-US" dirty="0"/>
+              <a:t>我們同樣也需要設計相關的</a:t>
+            </a:r>
+            <a:r>
+              <a:rPr lang="en-US" altLang="zh-TW" dirty="0"/>
+              <a:t>testbench</a:t>
+            </a:r>
+            <a:r>
+              <a:rPr lang="zh-TW" altLang="en-US" dirty="0"/>
+              <a:t>以驗證電路的設計，在我的</a:t>
+            </a:r>
+            <a:r>
+              <a:rPr lang="en-US" altLang="zh-TW" dirty="0" err="1"/>
+              <a:t>testbemch</a:t>
+            </a:r>
+            <a:r>
+              <a:rPr lang="zh-TW" altLang="en-US" dirty="0"/>
+              <a:t>中會有傳統</a:t>
+            </a:r>
+            <a:r>
+              <a:rPr lang="en-US" altLang="zh-TW" dirty="0"/>
+              <a:t>matrix</a:t>
+            </a:r>
+            <a:r>
+              <a:rPr lang="zh-TW" altLang="en-US" dirty="0"/>
+              <a:t>計算方式的結果與剛剛提到的計算結果進行比較</a:t>
+            </a:r>
+          </a:p>
+        </p:txBody>
+      </p:sp>
+      <p:sp>
+        <p:nvSpPr>
+          <p:cNvPr id="4" name="投影片編號版面配置區 3"/>
+          <p:cNvSpPr>
+            <a:spLocks noGrp="1"/>
+          </p:cNvSpPr>
+          <p:nvPr>
+            <p:ph type="sldNum" sz="quarter" idx="5"/>
+          </p:nvPr>
+        </p:nvSpPr>
+        <p:spPr/>
+        <p:txBody>
+          <a:bodyPr/>
+          <a:lstStyle/>
+          <a:p>
+            <a:fld id="{C65BFE59-4538-417D-9D46-B7E88707887C}" type="slidenum">
+              <a:rPr lang="zh-TW" altLang="en-US" smtClean="0"/>
+              <a:t>4</a:t>
+            </a:fld>
+            <a:endParaRPr lang="zh-TW" altLang="en-US"/>
+          </a:p>
+        </p:txBody>
+      </p:sp>
+    </p:spTree>
+    <p:extLst>
+      <p:ext uri="{BB962C8B-B14F-4D97-AF65-F5344CB8AC3E}">
+        <p14:creationId xmlns:p14="http://schemas.microsoft.com/office/powerpoint/2010/main" val="1134123883"/>
+      </p:ext>
+    </p:extLst>
+  </p:cSld>
+  <p:clrMapOvr>
+    <a:masterClrMapping/>
+  </p:clrMapOvr>
+</p:notes>
+</file>
+
+<file path=ppt/notesSlides/notesSlide5.xml><?xml version="1.0" encoding="utf-8"?>
+<p:notes xmlns:a="http://schemas.openxmlformats.org/drawingml/2006/main" xmlns:r="http://schemas.openxmlformats.org/officeDocument/2006/relationships" xmlns:p="http://schemas.openxmlformats.org/presentationml/2006/main">
+  <p:cSld>
+    <p:spTree>
+      <p:nvGrpSpPr>
+        <p:cNvPr id="1" name=""/>
+        <p:cNvGrpSpPr/>
+        <p:nvPr/>
+      </p:nvGrpSpPr>
+      <p:grpSpPr>
+        <a:xfrm>
+          <a:off x="0" y="0"/>
+          <a:ext cx="0" cy="0"/>
+          <a:chOff x="0" y="0"/>
+          <a:chExt cx="0" cy="0"/>
+        </a:xfrm>
+      </p:grpSpPr>
+      <p:sp>
+        <p:nvSpPr>
+          <p:cNvPr id="2" name="投影片影像版面配置區 1"/>
+          <p:cNvSpPr>
+            <a:spLocks noGrp="1" noRot="1" noChangeAspect="1"/>
+          </p:cNvSpPr>
+          <p:nvPr>
+            <p:ph type="sldImg"/>
+          </p:nvPr>
+        </p:nvSpPr>
+        <p:spPr/>
+      </p:sp>
+      <p:sp>
+        <p:nvSpPr>
+          <p:cNvPr id="3" name="備忘稿版面配置區 2"/>
+          <p:cNvSpPr>
+            <a:spLocks noGrp="1"/>
+          </p:cNvSpPr>
+          <p:nvPr>
+            <p:ph type="body" idx="1"/>
+          </p:nvPr>
+        </p:nvSpPr>
+        <p:spPr/>
+        <p:txBody>
+          <a:bodyPr/>
+          <a:lstStyle/>
+          <a:p>
+            <a:r>
+              <a:rPr lang="zh-TW" altLang="en-US" dirty="0"/>
+              <a:t>接下來我在不使用任何</a:t>
+            </a:r>
+            <a:r>
+              <a:rPr lang="en-US" altLang="zh-TW" dirty="0" err="1"/>
+              <a:t>deriptive</a:t>
+            </a:r>
+            <a:r>
+              <a:rPr lang="zh-TW" altLang="en-US" dirty="0"/>
+              <a:t>就合成並把他當作</a:t>
+            </a:r>
+            <a:r>
+              <a:rPr lang="en-US" altLang="zh-TW" dirty="0"/>
+              <a:t>baseline</a:t>
+            </a:r>
+            <a:r>
+              <a:rPr lang="zh-TW" altLang="en-US" dirty="0"/>
+              <a:t>，但是我發現他似乎會自動進行優化，像是將</a:t>
+            </a:r>
+            <a:r>
+              <a:rPr lang="en-US" altLang="zh-TW" dirty="0"/>
+              <a:t>L2 </a:t>
+            </a:r>
+            <a:r>
+              <a:rPr lang="zh-TW" altLang="en-US" dirty="0"/>
+              <a:t>也就是處理</a:t>
+            </a:r>
+            <a:r>
+              <a:rPr lang="en-US" altLang="zh-TW" dirty="0" err="1"/>
+              <a:t>rowPtr</a:t>
+            </a:r>
+            <a:r>
+              <a:rPr lang="zh-TW" altLang="en-US" dirty="0"/>
+              <a:t>那邊的</a:t>
+            </a:r>
+            <a:r>
+              <a:rPr lang="en-US" altLang="zh-TW" dirty="0" err="1"/>
+              <a:t>forloop</a:t>
+            </a:r>
+            <a:r>
+              <a:rPr lang="zh-TW" altLang="en-US" dirty="0"/>
+              <a:t>進行</a:t>
+            </a:r>
+            <a:r>
+              <a:rPr lang="en-US" altLang="zh-TW" dirty="0" err="1"/>
+              <a:t>pipline</a:t>
+            </a:r>
+            <a:endParaRPr lang="en-US" altLang="zh-TW" dirty="0"/>
+          </a:p>
+        </p:txBody>
+      </p:sp>
+      <p:sp>
+        <p:nvSpPr>
+          <p:cNvPr id="4" name="投影片編號版面配置區 3"/>
+          <p:cNvSpPr>
+            <a:spLocks noGrp="1"/>
+          </p:cNvSpPr>
+          <p:nvPr>
+            <p:ph type="sldNum" sz="quarter" idx="5"/>
+          </p:nvPr>
+        </p:nvSpPr>
+        <p:spPr/>
+        <p:txBody>
+          <a:bodyPr/>
+          <a:lstStyle/>
+          <a:p>
+            <a:fld id="{C65BFE59-4538-417D-9D46-B7E88707887C}" type="slidenum">
+              <a:rPr lang="zh-TW" altLang="en-US" smtClean="0"/>
+              <a:t>5</a:t>
+            </a:fld>
+            <a:endParaRPr lang="zh-TW" altLang="en-US"/>
+          </a:p>
+        </p:txBody>
+      </p:sp>
+    </p:spTree>
+    <p:extLst>
+      <p:ext uri="{BB962C8B-B14F-4D97-AF65-F5344CB8AC3E}">
+        <p14:creationId xmlns:p14="http://schemas.microsoft.com/office/powerpoint/2010/main" val="551996475"/>
+      </p:ext>
+    </p:extLst>
+  </p:cSld>
+  <p:clrMapOvr>
+    <a:masterClrMapping/>
+  </p:clrMapOvr>
+</p:notes>
+</file>
+
+<file path=ppt/notesSlides/notesSlide6.xml><?xml version="1.0" encoding="utf-8"?>
+<p:notes xmlns:a="http://schemas.openxmlformats.org/drawingml/2006/main" xmlns:r="http://schemas.openxmlformats.org/officeDocument/2006/relationships" xmlns:p="http://schemas.openxmlformats.org/presentationml/2006/main">
+  <p:cSld>
+    <p:spTree>
+      <p:nvGrpSpPr>
+        <p:cNvPr id="1" name=""/>
+        <p:cNvGrpSpPr/>
+        <p:nvPr/>
+      </p:nvGrpSpPr>
+      <p:grpSpPr>
+        <a:xfrm>
+          <a:off x="0" y="0"/>
+          <a:ext cx="0" cy="0"/>
+          <a:chOff x="0" y="0"/>
+          <a:chExt cx="0" cy="0"/>
+        </a:xfrm>
+      </p:grpSpPr>
+      <p:sp>
+        <p:nvSpPr>
+          <p:cNvPr id="2" name="投影片影像版面配置區 1"/>
+          <p:cNvSpPr>
+            <a:spLocks noGrp="1" noRot="1" noChangeAspect="1"/>
+          </p:cNvSpPr>
+          <p:nvPr>
+            <p:ph type="sldImg"/>
+          </p:nvPr>
+        </p:nvSpPr>
+        <p:spPr/>
+      </p:sp>
+      <p:sp>
+        <p:nvSpPr>
+          <p:cNvPr id="3" name="備忘稿版面配置區 2"/>
+          <p:cNvSpPr>
+            <a:spLocks noGrp="1"/>
+          </p:cNvSpPr>
+          <p:nvPr>
+            <p:ph type="body" idx="1"/>
+          </p:nvPr>
+        </p:nvSpPr>
+        <p:spPr/>
+        <p:txBody>
+          <a:bodyPr/>
+          <a:lstStyle/>
+          <a:p>
+            <a:r>
+              <a:rPr lang="zh-TW" altLang="en-US" dirty="0"/>
+              <a:t>因此在優化上我想要嘗試</a:t>
+            </a:r>
+            <a:r>
+              <a:rPr lang="en-US" altLang="zh-TW" dirty="0"/>
+              <a:t>2</a:t>
+            </a:r>
+            <a:r>
+              <a:rPr lang="zh-TW" altLang="en-US" dirty="0"/>
+              <a:t>架構上的優化，</a:t>
+            </a:r>
+            <a:endParaRPr lang="en-US" altLang="zh-TW" dirty="0"/>
+          </a:p>
+          <a:p>
+            <a:r>
+              <a:rPr lang="en-US" altLang="zh-TW" dirty="0"/>
+              <a:t>unroll</a:t>
+            </a:r>
+            <a:r>
+              <a:rPr lang="zh-TW" altLang="en-US" dirty="0"/>
+              <a:t>理論上可以提高我設計的</a:t>
+            </a:r>
+            <a:r>
+              <a:rPr lang="en-US" altLang="zh-TW" dirty="0"/>
+              <a:t>throughput</a:t>
+            </a:r>
+            <a:r>
+              <a:rPr lang="zh-TW" altLang="en-US" dirty="0"/>
+              <a:t>，並增加需要的資源量，</a:t>
+            </a:r>
+            <a:endParaRPr lang="en-US" altLang="zh-TW" dirty="0"/>
+          </a:p>
+          <a:p>
+            <a:r>
+              <a:rPr lang="en-US" altLang="zh-TW" dirty="0" err="1"/>
+              <a:t>Pipline</a:t>
+            </a:r>
+            <a:r>
+              <a:rPr lang="zh-TW" altLang="en-US" dirty="0"/>
+              <a:t>應該可以減少我設計的</a:t>
+            </a:r>
+            <a:r>
+              <a:rPr lang="en-US" altLang="zh-TW" dirty="0"/>
+              <a:t>iteration latency</a:t>
+            </a:r>
+          </a:p>
+          <a:p>
+            <a:endParaRPr lang="en-US" altLang="zh-TW" dirty="0"/>
+          </a:p>
+          <a:p>
+            <a:r>
+              <a:rPr lang="zh-TW" altLang="en-US" dirty="0"/>
+              <a:t>並嘗試兩種</a:t>
+            </a:r>
+            <a:r>
+              <a:rPr lang="en-US" altLang="zh-TW" dirty="0"/>
+              <a:t>array partition</a:t>
+            </a:r>
+            <a:r>
+              <a:rPr lang="zh-TW" altLang="en-US" dirty="0"/>
+              <a:t>的方式， </a:t>
+            </a:r>
+            <a:r>
+              <a:rPr lang="en-US" altLang="zh-TW" dirty="0"/>
+              <a:t>cyclic</a:t>
+            </a:r>
+            <a:r>
+              <a:rPr lang="zh-TW" altLang="en-US" dirty="0"/>
+              <a:t>與</a:t>
+            </a:r>
+            <a:r>
+              <a:rPr lang="en-US" altLang="zh-TW" dirty="0"/>
+              <a:t>block</a:t>
+            </a:r>
+            <a:r>
+              <a:rPr lang="zh-TW" altLang="en-US" dirty="0"/>
+              <a:t>看是否會有所不同</a:t>
+            </a:r>
+            <a:endParaRPr lang="en-US" altLang="zh-TW" dirty="0"/>
+          </a:p>
+          <a:p>
+            <a:endParaRPr lang="en-US" altLang="zh-TW" dirty="0"/>
+          </a:p>
+          <a:p>
+            <a:endParaRPr lang="en-US" altLang="zh-TW" dirty="0"/>
+          </a:p>
+          <a:p>
+            <a:endParaRPr lang="zh-TW" altLang="en-US" dirty="0"/>
+          </a:p>
+        </p:txBody>
+      </p:sp>
+      <p:sp>
+        <p:nvSpPr>
+          <p:cNvPr id="4" name="投影片編號版面配置區 3"/>
+          <p:cNvSpPr>
+            <a:spLocks noGrp="1"/>
+          </p:cNvSpPr>
+          <p:nvPr>
+            <p:ph type="sldNum" sz="quarter" idx="5"/>
+          </p:nvPr>
+        </p:nvSpPr>
+        <p:spPr/>
+        <p:txBody>
+          <a:bodyPr/>
+          <a:lstStyle/>
+          <a:p>
+            <a:fld id="{C65BFE59-4538-417D-9D46-B7E88707887C}" type="slidenum">
+              <a:rPr lang="zh-TW" altLang="en-US" smtClean="0"/>
+              <a:t>6</a:t>
+            </a:fld>
+            <a:endParaRPr lang="zh-TW" altLang="en-US"/>
+          </a:p>
+        </p:txBody>
+      </p:sp>
+    </p:spTree>
+    <p:extLst>
+      <p:ext uri="{BB962C8B-B14F-4D97-AF65-F5344CB8AC3E}">
+        <p14:creationId xmlns:p14="http://schemas.microsoft.com/office/powerpoint/2010/main" val="3835352414"/>
+      </p:ext>
+    </p:extLst>
+  </p:cSld>
+  <p:clrMapOvr>
+    <a:masterClrMapping/>
+  </p:clrMapOvr>
+</p:notes>
+</file>
+
+<file path=ppt/notesSlides/notesSlide7.xml><?xml version="1.0" encoding="utf-8"?>
+<p:notes xmlns:a="http://schemas.openxmlformats.org/drawingml/2006/main" xmlns:r="http://schemas.openxmlformats.org/officeDocument/2006/relationships" xmlns:p="http://schemas.openxmlformats.org/presentationml/2006/main">
+  <p:cSld>
+    <p:spTree>
+      <p:nvGrpSpPr>
+        <p:cNvPr id="1" name=""/>
+        <p:cNvGrpSpPr/>
+        <p:nvPr/>
+      </p:nvGrpSpPr>
+      <p:grpSpPr>
+        <a:xfrm>
+          <a:off x="0" y="0"/>
+          <a:ext cx="0" cy="0"/>
+          <a:chOff x="0" y="0"/>
+          <a:chExt cx="0" cy="0"/>
+        </a:xfrm>
+      </p:grpSpPr>
+      <p:sp>
+        <p:nvSpPr>
+          <p:cNvPr id="2" name="投影片影像版面配置區 1"/>
+          <p:cNvSpPr>
+            <a:spLocks noGrp="1" noRot="1" noChangeAspect="1"/>
+          </p:cNvSpPr>
+          <p:nvPr>
+            <p:ph type="sldImg"/>
+          </p:nvPr>
+        </p:nvSpPr>
+        <p:spPr/>
+      </p:sp>
+      <p:sp>
+        <p:nvSpPr>
+          <p:cNvPr id="3" name="備忘稿版面配置區 2"/>
+          <p:cNvSpPr>
+            <a:spLocks noGrp="1"/>
+          </p:cNvSpPr>
+          <p:nvPr>
+            <p:ph type="body" idx="1"/>
+          </p:nvPr>
+        </p:nvSpPr>
+        <p:spPr/>
+        <p:txBody>
+          <a:bodyPr/>
+          <a:lstStyle/>
+          <a:p>
+            <a:r>
+              <a:rPr lang="zh-TW" altLang="en-US" dirty="0"/>
+              <a:t>在優化方面我嘗試了</a:t>
+            </a:r>
+            <a:r>
+              <a:rPr lang="en-US" altLang="zh-TW" dirty="0"/>
+              <a:t>10</a:t>
+            </a:r>
+            <a:r>
+              <a:rPr lang="zh-TW" altLang="en-US" dirty="0"/>
+              <a:t>種組合</a:t>
+            </a:r>
+            <a:endParaRPr lang="en-US" altLang="zh-TW" dirty="0"/>
+          </a:p>
+          <a:p>
+            <a:endParaRPr lang="en-US" altLang="zh-TW" dirty="0"/>
+          </a:p>
+          <a:p>
+            <a:r>
+              <a:rPr lang="zh-TW" altLang="en-US" dirty="0"/>
+              <a:t>第一種為對</a:t>
+            </a:r>
+            <a:r>
+              <a:rPr lang="en-US" altLang="zh-TW" dirty="0"/>
+              <a:t>L2</a:t>
+            </a:r>
+            <a:r>
+              <a:rPr lang="zh-TW" altLang="en-US" dirty="0"/>
+              <a:t>設定</a:t>
+            </a:r>
+            <a:r>
+              <a:rPr lang="en-US" altLang="zh-TW" dirty="0"/>
+              <a:t>pipeline</a:t>
+            </a:r>
+            <a:r>
+              <a:rPr lang="zh-TW" altLang="en-US" dirty="0"/>
+              <a:t>，而產生的數據和</a:t>
+            </a:r>
+            <a:r>
+              <a:rPr lang="en-US" altLang="zh-TW" dirty="0"/>
+              <a:t>baseline</a:t>
+            </a:r>
+            <a:r>
+              <a:rPr lang="zh-TW" altLang="en-US" dirty="0"/>
+              <a:t>一樣，也驗證了</a:t>
+            </a:r>
+            <a:r>
+              <a:rPr lang="en-US" altLang="zh-TW" dirty="0"/>
+              <a:t>tool</a:t>
+            </a:r>
+            <a:r>
+              <a:rPr lang="zh-TW" altLang="en-US" dirty="0"/>
+              <a:t>本身會嘗試優化的部分</a:t>
+            </a:r>
+            <a:endParaRPr lang="en-US" altLang="zh-TW" dirty="0"/>
+          </a:p>
+          <a:p>
+            <a:endParaRPr lang="en-US" altLang="zh-TW" dirty="0"/>
+          </a:p>
+          <a:p>
+            <a:r>
+              <a:rPr lang="zh-TW" altLang="en-US" dirty="0"/>
+              <a:t>第二種為對</a:t>
+            </a:r>
+            <a:r>
+              <a:rPr lang="en-US" altLang="zh-TW" dirty="0"/>
+              <a:t>L1</a:t>
+            </a:r>
+            <a:r>
+              <a:rPr lang="zh-TW" altLang="en-US" dirty="0"/>
+              <a:t>設定</a:t>
+            </a:r>
+            <a:r>
+              <a:rPr lang="en-US" altLang="zh-TW" dirty="0" err="1"/>
+              <a:t>pipline</a:t>
+            </a:r>
+            <a:r>
+              <a:rPr lang="zh-TW" altLang="en-US" dirty="0"/>
+              <a:t>，這使得</a:t>
+            </a:r>
+            <a:r>
+              <a:rPr lang="en-US" altLang="zh-TW" dirty="0"/>
+              <a:t>tool</a:t>
+            </a:r>
+            <a:r>
+              <a:rPr lang="zh-TW" altLang="en-US" dirty="0"/>
+              <a:t>沒有對</a:t>
+            </a:r>
+            <a:r>
+              <a:rPr lang="en-US" altLang="zh-TW" dirty="0"/>
+              <a:t>L2</a:t>
+            </a:r>
+            <a:r>
+              <a:rPr lang="zh-TW" altLang="en-US" dirty="0"/>
+              <a:t>進行</a:t>
+            </a:r>
+            <a:r>
+              <a:rPr lang="en-US" altLang="zh-TW" dirty="0"/>
+              <a:t>pipeline</a:t>
+            </a:r>
+            <a:r>
+              <a:rPr lang="zh-TW" altLang="en-US" dirty="0"/>
+              <a:t>，使得</a:t>
+            </a:r>
+            <a:r>
+              <a:rPr lang="en-US" altLang="zh-TW" dirty="0"/>
+              <a:t>iteration latency</a:t>
+            </a:r>
+            <a:r>
+              <a:rPr lang="zh-TW" altLang="en-US" dirty="0"/>
+              <a:t>可以稍微減少，使用的</a:t>
+            </a:r>
+            <a:r>
+              <a:rPr lang="en-US" altLang="zh-TW" dirty="0"/>
+              <a:t>LUT</a:t>
+            </a:r>
+            <a:r>
+              <a:rPr lang="zh-TW" altLang="en-US" dirty="0"/>
+              <a:t>數量也稍微減少</a:t>
+            </a:r>
+            <a:endParaRPr lang="en-US" altLang="zh-TW" dirty="0"/>
+          </a:p>
+          <a:p>
+            <a:endParaRPr lang="en-US" altLang="zh-TW" dirty="0"/>
+          </a:p>
+          <a:p>
+            <a:r>
+              <a:rPr lang="zh-TW" altLang="en-US" dirty="0"/>
+              <a:t>第三種為對</a:t>
+            </a:r>
+            <a:r>
+              <a:rPr lang="en-US" altLang="zh-TW" dirty="0"/>
+              <a:t>L1</a:t>
+            </a:r>
+            <a:r>
+              <a:rPr lang="zh-TW" altLang="en-US" dirty="0"/>
+              <a:t>進行</a:t>
+            </a:r>
+            <a:r>
+              <a:rPr lang="en-US" altLang="zh-TW" dirty="0"/>
+              <a:t>unroll</a:t>
+            </a:r>
+            <a:r>
+              <a:rPr lang="zh-TW" altLang="en-US" dirty="0"/>
+              <a:t>，這會產生兩個平行計算的</a:t>
+            </a:r>
+            <a:r>
+              <a:rPr lang="en-US" altLang="zh-TW" dirty="0"/>
+              <a:t>pipeline L2</a:t>
+            </a:r>
+            <a:r>
+              <a:rPr lang="zh-TW" altLang="en-US" dirty="0"/>
+              <a:t>使得</a:t>
+            </a:r>
+            <a:r>
+              <a:rPr lang="en-US" altLang="zh-TW" dirty="0"/>
+              <a:t>trip count</a:t>
+            </a:r>
+            <a:r>
+              <a:rPr lang="zh-TW" altLang="en-US" dirty="0"/>
+              <a:t>可以減少一半，而</a:t>
+            </a:r>
+            <a:r>
+              <a:rPr lang="en-US" altLang="zh-TW" dirty="0"/>
+              <a:t>iteration latency</a:t>
+            </a:r>
+            <a:r>
+              <a:rPr lang="zh-TW" altLang="en-US" dirty="0"/>
+              <a:t>因為是</a:t>
+            </a:r>
+            <a:r>
+              <a:rPr lang="en-US" altLang="zh-TW" dirty="0"/>
+              <a:t>pipeline L2</a:t>
+            </a:r>
+            <a:r>
+              <a:rPr lang="zh-TW" altLang="en-US" dirty="0"/>
+              <a:t>是瓶頸的關係所以仍是</a:t>
+            </a:r>
+            <a:r>
+              <a:rPr lang="en-US" altLang="zh-TW" dirty="0"/>
+              <a:t>13</a:t>
+            </a:r>
+            <a:r>
+              <a:rPr lang="zh-TW" altLang="en-US" dirty="0"/>
+              <a:t>，而在資源使用上也有相應的增加</a:t>
+            </a:r>
+            <a:r>
+              <a:rPr lang="en-US" altLang="zh-TW" dirty="0"/>
+              <a:t>FF</a:t>
+            </a:r>
+            <a:r>
+              <a:rPr lang="zh-TW" altLang="en-US" dirty="0"/>
+              <a:t>從</a:t>
+            </a:r>
+            <a:r>
+              <a:rPr lang="en-US" altLang="zh-TW" dirty="0"/>
+              <a:t>1165 -&gt; 1466</a:t>
+            </a:r>
+            <a:r>
+              <a:rPr lang="zh-TW" altLang="en-US" dirty="0"/>
+              <a:t>，而</a:t>
+            </a:r>
+            <a:r>
+              <a:rPr lang="en-US" altLang="zh-TW" dirty="0"/>
+              <a:t>LUT</a:t>
+            </a:r>
+            <a:r>
+              <a:rPr lang="zh-TW" altLang="en-US" dirty="0"/>
+              <a:t>從</a:t>
+            </a:r>
+            <a:r>
+              <a:rPr lang="en-US" altLang="zh-TW" dirty="0"/>
+              <a:t>1388 -&gt; 1799</a:t>
+            </a:r>
+          </a:p>
+          <a:p>
+            <a:endParaRPr lang="en-US" altLang="zh-TW" dirty="0"/>
+          </a:p>
+          <a:p>
+            <a:r>
+              <a:rPr lang="zh-TW" altLang="en-US" dirty="0"/>
+              <a:t>第四種到第十種為對</a:t>
+            </a:r>
+            <a:r>
+              <a:rPr lang="en-US" altLang="zh-TW" dirty="0"/>
+              <a:t>L2</a:t>
+            </a:r>
+            <a:r>
+              <a:rPr lang="zh-TW" altLang="en-US" dirty="0"/>
+              <a:t>進行</a:t>
+            </a:r>
+            <a:r>
+              <a:rPr lang="en-US" altLang="zh-TW" dirty="0"/>
+              <a:t>pipeline</a:t>
+            </a:r>
+            <a:r>
+              <a:rPr lang="zh-TW" altLang="en-US" dirty="0"/>
+              <a:t>和</a:t>
+            </a:r>
+            <a:r>
+              <a:rPr lang="en-US" altLang="zh-TW" dirty="0"/>
+              <a:t>unroll</a:t>
+            </a:r>
+            <a:r>
+              <a:rPr lang="zh-TW" altLang="en-US" dirty="0"/>
+              <a:t>，只是在程度上有所不同，並比較有進行</a:t>
+            </a:r>
+            <a:r>
+              <a:rPr lang="en-US" altLang="zh-TW" dirty="0"/>
+              <a:t>data</a:t>
+            </a:r>
+            <a:r>
+              <a:rPr lang="zh-TW" altLang="en-US" dirty="0"/>
+              <a:t>的</a:t>
+            </a:r>
+            <a:r>
+              <a:rPr lang="en-US" altLang="zh-TW" dirty="0"/>
+              <a:t>partition</a:t>
+            </a:r>
+            <a:r>
+              <a:rPr lang="zh-TW" altLang="en-US" dirty="0"/>
+              <a:t>和沒有的版本，但是奇怪的是</a:t>
+            </a:r>
+            <a:r>
+              <a:rPr lang="en-US" altLang="zh-TW" dirty="0"/>
+              <a:t>latency</a:t>
+            </a:r>
+            <a:r>
+              <a:rPr lang="zh-TW" altLang="en-US" dirty="0"/>
+              <a:t>沒有如預期的減少反而隨</a:t>
+            </a:r>
+            <a:r>
+              <a:rPr lang="en-US" altLang="zh-TW" dirty="0"/>
+              <a:t>unroll</a:t>
+            </a:r>
+            <a:r>
+              <a:rPr lang="zh-TW" altLang="en-US" dirty="0"/>
+              <a:t>程度提高而增加了，同樣的</a:t>
+            </a:r>
+            <a:r>
+              <a:rPr lang="en-US" altLang="zh-TW" dirty="0"/>
+              <a:t>LUT</a:t>
+            </a:r>
+            <a:r>
+              <a:rPr lang="zh-TW" altLang="en-US" dirty="0"/>
+              <a:t>和</a:t>
+            </a:r>
+            <a:r>
+              <a:rPr lang="en-US" altLang="zh-TW" dirty="0"/>
+              <a:t>FF</a:t>
+            </a:r>
+            <a:r>
+              <a:rPr lang="zh-TW" altLang="en-US" dirty="0"/>
+              <a:t>的使用量也逐漸提高</a:t>
+            </a:r>
+            <a:endParaRPr lang="en-US" altLang="zh-TW" dirty="0"/>
+          </a:p>
+          <a:p>
+            <a:r>
+              <a:rPr lang="zh-TW" altLang="en-US" dirty="0"/>
+              <a:t>而令我不解的是</a:t>
+            </a:r>
+            <a:r>
+              <a:rPr lang="en-US" altLang="zh-TW" dirty="0"/>
+              <a:t>DSP</a:t>
+            </a:r>
+            <a:r>
+              <a:rPr lang="zh-TW" altLang="en-US" dirty="0"/>
+              <a:t>的使用量沒有隨</a:t>
+            </a:r>
+            <a:r>
+              <a:rPr lang="en-US" altLang="zh-TW" dirty="0"/>
+              <a:t>Unroll</a:t>
+            </a:r>
+            <a:r>
+              <a:rPr lang="zh-TW" altLang="en-US" dirty="0"/>
+              <a:t>程度提高而使用更多的</a:t>
+            </a:r>
+            <a:r>
+              <a:rPr lang="en-US" altLang="zh-TW" dirty="0"/>
+              <a:t>DSP</a:t>
+            </a:r>
+            <a:r>
+              <a:rPr lang="zh-TW" altLang="en-US" dirty="0"/>
+              <a:t>，而是維持</a:t>
+            </a:r>
+            <a:r>
+              <a:rPr lang="en-US" altLang="zh-TW" dirty="0"/>
+              <a:t>5</a:t>
+            </a:r>
+            <a:r>
+              <a:rPr lang="zh-TW" altLang="en-US" dirty="0"/>
+              <a:t>個的使用量，因此我猜測因為</a:t>
+            </a:r>
+            <a:r>
+              <a:rPr lang="en-US" altLang="zh-TW" dirty="0"/>
+              <a:t>L2</a:t>
+            </a:r>
+            <a:r>
+              <a:rPr lang="zh-TW" altLang="en-US" dirty="0"/>
+              <a:t>在寫法上是有許多變數</a:t>
+            </a:r>
+            <a:r>
+              <a:rPr lang="en-US" altLang="zh-TW" dirty="0" err="1"/>
+              <a:t>rowPtr</a:t>
+            </a:r>
+            <a:r>
+              <a:rPr lang="en-US" altLang="zh-TW" dirty="0"/>
+              <a:t>[</a:t>
+            </a:r>
+            <a:r>
+              <a:rPr lang="en-US" altLang="zh-TW" dirty="0" err="1"/>
+              <a:t>i</a:t>
+            </a:r>
+            <a:r>
+              <a:rPr lang="en-US" altLang="zh-TW" dirty="0"/>
+              <a:t>], </a:t>
+            </a:r>
+            <a:r>
+              <a:rPr lang="en-US" altLang="zh-TW" dirty="0" err="1"/>
+              <a:t>rowPtr</a:t>
+            </a:r>
+            <a:r>
+              <a:rPr lang="en-US" altLang="zh-TW" dirty="0"/>
+              <a:t>[i+1]</a:t>
+            </a:r>
+            <a:r>
+              <a:rPr lang="zh-TW" altLang="en-US" dirty="0"/>
+              <a:t>，所以</a:t>
+            </a:r>
+            <a:r>
+              <a:rPr lang="en-US" altLang="zh-TW" dirty="0"/>
+              <a:t>tool</a:t>
+            </a:r>
+            <a:r>
+              <a:rPr lang="zh-TW" altLang="en-US" dirty="0"/>
+              <a:t>就不確定使否有</a:t>
+            </a:r>
+            <a:r>
+              <a:rPr lang="en-US" altLang="zh-TW" dirty="0"/>
+              <a:t>data dependence</a:t>
+            </a:r>
+            <a:r>
+              <a:rPr lang="zh-TW" altLang="en-US" dirty="0"/>
+              <a:t>所以就還是要等前面的</a:t>
+            </a:r>
+            <a:r>
+              <a:rPr lang="en-US" altLang="zh-TW" dirty="0"/>
+              <a:t>data</a:t>
+            </a:r>
+            <a:r>
+              <a:rPr lang="zh-TW" altLang="en-US" dirty="0"/>
+              <a:t>做完</a:t>
+            </a:r>
+            <a:endParaRPr lang="en-US" altLang="zh-TW" dirty="0"/>
+          </a:p>
+          <a:p>
+            <a:r>
+              <a:rPr lang="zh-TW" altLang="en-US" dirty="0"/>
+              <a:t>才能執行下一筆</a:t>
+            </a:r>
+            <a:r>
+              <a:rPr lang="en-US" altLang="zh-TW" dirty="0"/>
+              <a:t>data</a:t>
+            </a:r>
+            <a:r>
+              <a:rPr lang="zh-TW" altLang="en-US" dirty="0"/>
+              <a:t>，但是同時又因為</a:t>
+            </a:r>
+            <a:r>
+              <a:rPr lang="en-US" altLang="zh-TW" dirty="0"/>
+              <a:t>unroll</a:t>
+            </a:r>
+            <a:r>
+              <a:rPr lang="zh-TW" altLang="en-US" dirty="0"/>
+              <a:t>指令所以資源的使用量有提高。</a:t>
+            </a:r>
+            <a:endParaRPr lang="en-US" altLang="zh-TW" dirty="0"/>
+          </a:p>
+          <a:p>
+            <a:endParaRPr lang="en-US" altLang="zh-TW" dirty="0"/>
+          </a:p>
+          <a:p>
+            <a:r>
+              <a:rPr lang="zh-TW" altLang="en-US" dirty="0"/>
+              <a:t>所以在這裡我學到在設計好優化的演算法時應該避免</a:t>
+            </a:r>
+            <a:r>
+              <a:rPr lang="en-US" altLang="zh-TW" dirty="0"/>
+              <a:t>for loop</a:t>
+            </a:r>
+            <a:r>
+              <a:rPr lang="zh-TW" altLang="en-US" dirty="0"/>
+              <a:t>中有變數存在，向</a:t>
+            </a:r>
+            <a:r>
+              <a:rPr lang="en-US" altLang="zh-TW" dirty="0"/>
+              <a:t>L1</a:t>
+            </a:r>
+            <a:r>
+              <a:rPr lang="zh-TW" altLang="en-US" dirty="0"/>
+              <a:t>因為沒有變數所以優化程度就很明顯，但是</a:t>
+            </a:r>
+            <a:r>
+              <a:rPr lang="en-US" altLang="zh-TW" dirty="0"/>
+              <a:t>L2</a:t>
+            </a:r>
+            <a:r>
+              <a:rPr lang="zh-TW" altLang="en-US" dirty="0"/>
+              <a:t>因為有變數所以有不明顯</a:t>
+            </a:r>
+            <a:endParaRPr lang="en-US" altLang="zh-TW" dirty="0"/>
+          </a:p>
+        </p:txBody>
+      </p:sp>
+      <p:sp>
+        <p:nvSpPr>
+          <p:cNvPr id="4" name="投影片編號版面配置區 3"/>
+          <p:cNvSpPr>
+            <a:spLocks noGrp="1"/>
+          </p:cNvSpPr>
+          <p:nvPr>
+            <p:ph type="sldNum" sz="quarter" idx="5"/>
+          </p:nvPr>
+        </p:nvSpPr>
+        <p:spPr/>
+        <p:txBody>
+          <a:bodyPr/>
+          <a:lstStyle/>
+          <a:p>
+            <a:fld id="{C65BFE59-4538-417D-9D46-B7E88707887C}" type="slidenum">
+              <a:rPr lang="zh-TW" altLang="en-US" smtClean="0"/>
+              <a:t>7</a:t>
+            </a:fld>
+            <a:endParaRPr lang="zh-TW" altLang="en-US"/>
+          </a:p>
+        </p:txBody>
+      </p:sp>
+    </p:spTree>
+    <p:extLst>
+      <p:ext uri="{BB962C8B-B14F-4D97-AF65-F5344CB8AC3E}">
+        <p14:creationId xmlns:p14="http://schemas.microsoft.com/office/powerpoint/2010/main" val="1148555325"/>
+      </p:ext>
+    </p:extLst>
+  </p:cSld>
+  <p:clrMapOvr>
+    <a:masterClrMapping/>
+  </p:clrMapOvr>
+</p:notes>
+</file>
+
+<file path=ppt/notesSlides/notesSlide8.xml><?xml version="1.0" encoding="utf-8"?>
+<p:notes xmlns:a="http://schemas.openxmlformats.org/drawingml/2006/main" xmlns:r="http://schemas.openxmlformats.org/officeDocument/2006/relationships" xmlns:p="http://schemas.openxmlformats.org/presentationml/2006/main">
+  <p:cSld>
+    <p:spTree>
+      <p:nvGrpSpPr>
+        <p:cNvPr id="1" name=""/>
+        <p:cNvGrpSpPr/>
+        <p:nvPr/>
+      </p:nvGrpSpPr>
+      <p:grpSpPr>
+        <a:xfrm>
+          <a:off x="0" y="0"/>
+          <a:ext cx="0" cy="0"/>
+          <a:chOff x="0" y="0"/>
+          <a:chExt cx="0" cy="0"/>
+        </a:xfrm>
+      </p:grpSpPr>
+      <p:sp>
+        <p:nvSpPr>
+          <p:cNvPr id="2" name="投影片影像版面配置區 1"/>
+          <p:cNvSpPr>
+            <a:spLocks noGrp="1" noRot="1" noChangeAspect="1"/>
+          </p:cNvSpPr>
+          <p:nvPr>
+            <p:ph type="sldImg"/>
+          </p:nvPr>
+        </p:nvSpPr>
+        <p:spPr/>
+      </p:sp>
+      <p:sp>
+        <p:nvSpPr>
+          <p:cNvPr id="3" name="備忘稿版面配置區 2"/>
+          <p:cNvSpPr>
+            <a:spLocks noGrp="1"/>
+          </p:cNvSpPr>
+          <p:nvPr>
+            <p:ph type="body" idx="1"/>
+          </p:nvPr>
+        </p:nvSpPr>
+        <p:spPr/>
+        <p:txBody>
+          <a:bodyPr/>
+          <a:lstStyle/>
+          <a:p>
+            <a:r>
+              <a:rPr lang="zh-TW" altLang="en-US" dirty="0"/>
+              <a:t>我有嘗試手動設定 </a:t>
+            </a:r>
+            <a:r>
+              <a:rPr lang="en-US" altLang="zh-TW" dirty="0"/>
+              <a:t>pipeline II </a:t>
+            </a:r>
+            <a:r>
+              <a:rPr lang="zh-TW" altLang="en-US" dirty="0"/>
+              <a:t>的數值為</a:t>
+            </a:r>
+            <a:r>
+              <a:rPr lang="en-US" altLang="zh-TW" dirty="0"/>
+              <a:t>2 or 1</a:t>
+            </a:r>
+            <a:r>
+              <a:rPr lang="zh-TW" altLang="en-US" dirty="0"/>
+              <a:t>，因為理論上</a:t>
+            </a:r>
+            <a:r>
+              <a:rPr lang="en-US" altLang="zh-TW" dirty="0"/>
+              <a:t>default</a:t>
+            </a:r>
+            <a:r>
+              <a:rPr lang="zh-TW" altLang="en-US" dirty="0"/>
+              <a:t>為</a:t>
+            </a:r>
+            <a:r>
+              <a:rPr lang="en-US" altLang="zh-TW" dirty="0"/>
+              <a:t>1</a:t>
+            </a:r>
+            <a:r>
+              <a:rPr lang="zh-TW" altLang="en-US" dirty="0"/>
+              <a:t>應該</a:t>
+            </a:r>
+            <a:r>
+              <a:rPr lang="en-US" altLang="zh-TW" dirty="0"/>
+              <a:t>1</a:t>
+            </a:r>
+            <a:r>
+              <a:rPr lang="zh-TW" altLang="en-US" dirty="0"/>
+              <a:t>要能夠合成，但是都會出現</a:t>
+            </a:r>
+            <a:r>
+              <a:rPr lang="en-US" altLang="zh-TW" dirty="0"/>
+              <a:t>time violation</a:t>
+            </a:r>
+            <a:r>
+              <a:rPr lang="zh-TW" altLang="en-US" dirty="0"/>
+              <a:t>，而我不確定未審麼</a:t>
+            </a:r>
+            <a:endParaRPr lang="en-US" altLang="zh-TW" dirty="0"/>
+          </a:p>
+          <a:p>
+            <a:endParaRPr lang="en-US" altLang="zh-TW" dirty="0"/>
+          </a:p>
+          <a:p>
+            <a:r>
+              <a:rPr lang="zh-TW" altLang="en-US" dirty="0"/>
+              <a:t>在實作上我發現</a:t>
+            </a:r>
+            <a:r>
+              <a:rPr lang="en-US" altLang="zh-TW" dirty="0"/>
+              <a:t>HLS</a:t>
+            </a:r>
+            <a:r>
+              <a:rPr lang="zh-TW" altLang="en-US" dirty="0"/>
+              <a:t>再更改架構上比</a:t>
+            </a:r>
+            <a:r>
+              <a:rPr lang="en-US" altLang="zh-TW" dirty="0"/>
+              <a:t>RTL</a:t>
+            </a:r>
+            <a:r>
+              <a:rPr lang="zh-TW" altLang="en-US" dirty="0"/>
+              <a:t>更有優勢，只需要幾行的</a:t>
+            </a:r>
+            <a:r>
+              <a:rPr lang="en-US" altLang="zh-TW" dirty="0" err="1"/>
+              <a:t>deriptives</a:t>
+            </a:r>
+            <a:r>
+              <a:rPr lang="zh-TW" altLang="en-US" dirty="0"/>
+              <a:t>就可以完成，也不需要擔心功能性可能會有影響，這應該可以讓設計者快速的探索可行的設計，加速設計流程。</a:t>
+            </a:r>
+            <a:endParaRPr lang="en-US" altLang="zh-TW" dirty="0"/>
+          </a:p>
+          <a:p>
+            <a:endParaRPr lang="en-US" altLang="zh-TW" dirty="0"/>
+          </a:p>
+          <a:p>
+            <a:r>
+              <a:rPr lang="zh-TW" altLang="en-US" dirty="0"/>
+              <a:t>並且</a:t>
+            </a:r>
+            <a:r>
+              <a:rPr lang="en-US" altLang="zh-TW" dirty="0"/>
+              <a:t>Xilinx HLS</a:t>
+            </a:r>
+            <a:r>
+              <a:rPr lang="zh-TW" altLang="en-US" dirty="0"/>
+              <a:t>比起</a:t>
+            </a:r>
+            <a:r>
+              <a:rPr lang="en-US" altLang="zh-TW" dirty="0"/>
+              <a:t>Stratus HLS</a:t>
+            </a:r>
+            <a:r>
+              <a:rPr lang="zh-TW" altLang="en-US" dirty="0"/>
+              <a:t>上有更多的文件與網路上的討論，感覺</a:t>
+            </a:r>
+            <a:r>
+              <a:rPr lang="en-US" altLang="zh-TW" dirty="0"/>
+              <a:t>Xilinx HLS</a:t>
+            </a:r>
+            <a:r>
+              <a:rPr lang="zh-TW" altLang="en-US" dirty="0"/>
+              <a:t>在學習上更加方便</a:t>
+            </a:r>
+            <a:endParaRPr lang="en-US" altLang="zh-TW" dirty="0"/>
+          </a:p>
+          <a:p>
+            <a:r>
+              <a:rPr lang="zh-TW" altLang="en-US" dirty="0"/>
+              <a:t> </a:t>
+            </a:r>
+          </a:p>
+        </p:txBody>
+      </p:sp>
+      <p:sp>
+        <p:nvSpPr>
+          <p:cNvPr id="4" name="投影片編號版面配置區 3"/>
+          <p:cNvSpPr>
+            <a:spLocks noGrp="1"/>
+          </p:cNvSpPr>
+          <p:nvPr>
+            <p:ph type="sldNum" sz="quarter" idx="5"/>
+          </p:nvPr>
+        </p:nvSpPr>
+        <p:spPr/>
+        <p:txBody>
+          <a:bodyPr/>
+          <a:lstStyle/>
+          <a:p>
+            <a:fld id="{C65BFE59-4538-417D-9D46-B7E88707887C}" type="slidenum">
+              <a:rPr lang="zh-TW" altLang="en-US" smtClean="0"/>
+              <a:t>8</a:t>
+            </a:fld>
+            <a:endParaRPr lang="zh-TW" altLang="en-US"/>
+          </a:p>
+        </p:txBody>
+      </p:sp>
+    </p:spTree>
+    <p:extLst>
+      <p:ext uri="{BB962C8B-B14F-4D97-AF65-F5344CB8AC3E}">
+        <p14:creationId xmlns:p14="http://schemas.microsoft.com/office/powerpoint/2010/main" val="3025468177"/>
+      </p:ext>
+    </p:extLst>
+  </p:cSld>
+  <p:clrMapOvr>
+    <a:masterClrMapping/>
+  </p:clrMapOvr>
+</p:notes>
 </file>
 
 <file path=ppt/slideLayouts/slideLayout1.xml><?xml version="1.0" encoding="utf-8"?>
@@ -156,7 +2349,7 @@
           </a:lstStyle>
           <a:p>
             <a:r>
-              <a:rPr lang="en-US" altLang="zh-TW" smtClean="0"/>
+              <a:rPr lang="en-US" altLang="zh-TW"/>
               <a:t>Click to edit Master title style</a:t>
             </a:r>
             <a:endParaRPr lang="zh-TW" altLang="en-US"/>
@@ -221,7 +2414,7 @@
           </a:lstStyle>
           <a:p>
             <a:r>
-              <a:rPr lang="en-US" altLang="zh-TW" smtClean="0"/>
+              <a:rPr lang="en-US" altLang="zh-TW"/>
               <a:t>Click to edit Master subtitle style</a:t>
             </a:r>
             <a:endParaRPr lang="zh-TW" altLang="en-US"/>
@@ -245,7 +2438,7 @@
           <a:p>
             <a:fld id="{2F1F00DB-F04A-4D0D-8F97-3C2AC20B93C0}" type="datetimeFigureOut">
               <a:rPr lang="zh-TW" altLang="en-US" smtClean="0"/>
-              <a:t>2022/3/27</a:t>
+              <a:t>2022/3/30</a:t>
             </a:fld>
             <a:endParaRPr lang="zh-TW" altLang="en-US"/>
           </a:p>
@@ -339,7 +2532,7 @@
           <a:lstStyle/>
           <a:p>
             <a:r>
-              <a:rPr lang="en-US" altLang="zh-TW" smtClean="0"/>
+              <a:rPr lang="en-US" altLang="zh-TW"/>
               <a:t>Click to edit Master title style</a:t>
             </a:r>
             <a:endParaRPr lang="zh-TW" altLang="en-US"/>
@@ -363,35 +2556,35 @@
           <a:p>
             <a:pPr lvl="0"/>
             <a:r>
-              <a:rPr lang="en-US" altLang="zh-TW" smtClean="0"/>
+              <a:rPr lang="en-US" altLang="zh-TW"/>
               <a:t>Edit Master text styles</a:t>
             </a:r>
           </a:p>
           <a:p>
             <a:pPr lvl="1"/>
             <a:r>
-              <a:rPr lang="en-US" altLang="zh-TW" smtClean="0"/>
+              <a:rPr lang="en-US" altLang="zh-TW"/>
               <a:t>Second level</a:t>
             </a:r>
           </a:p>
           <a:p>
             <a:pPr lvl="2"/>
             <a:r>
-              <a:rPr lang="en-US" altLang="zh-TW" smtClean="0"/>
+              <a:rPr lang="en-US" altLang="zh-TW"/>
               <a:t>Third level</a:t>
             </a:r>
           </a:p>
           <a:p>
             <a:pPr lvl="3"/>
             <a:r>
-              <a:rPr lang="en-US" altLang="zh-TW" smtClean="0"/>
+              <a:rPr lang="en-US" altLang="zh-TW"/>
               <a:t>Fourth level</a:t>
             </a:r>
           </a:p>
           <a:p>
             <a:pPr lvl="4"/>
             <a:r>
-              <a:rPr lang="en-US" altLang="zh-TW" smtClean="0"/>
+              <a:rPr lang="en-US" altLang="zh-TW"/>
               <a:t>Fifth level</a:t>
             </a:r>
             <a:endParaRPr lang="zh-TW" altLang="en-US"/>
@@ -415,7 +2608,7 @@
           <a:p>
             <a:fld id="{2F1F00DB-F04A-4D0D-8F97-3C2AC20B93C0}" type="datetimeFigureOut">
               <a:rPr lang="zh-TW" altLang="en-US" smtClean="0"/>
-              <a:t>2022/3/27</a:t>
+              <a:t>2022/3/30</a:t>
             </a:fld>
             <a:endParaRPr lang="zh-TW" altLang="en-US"/>
           </a:p>
@@ -514,7 +2707,7 @@
           <a:lstStyle/>
           <a:p>
             <a:r>
-              <a:rPr lang="en-US" altLang="zh-TW" smtClean="0"/>
+              <a:rPr lang="en-US" altLang="zh-TW"/>
               <a:t>Click to edit Master title style</a:t>
             </a:r>
             <a:endParaRPr lang="zh-TW" altLang="en-US"/>
@@ -543,35 +2736,35 @@
           <a:p>
             <a:pPr lvl="0"/>
             <a:r>
-              <a:rPr lang="en-US" altLang="zh-TW" smtClean="0"/>
+              <a:rPr lang="en-US" altLang="zh-TW"/>
               <a:t>Edit Master text styles</a:t>
             </a:r>
           </a:p>
           <a:p>
             <a:pPr lvl="1"/>
             <a:r>
-              <a:rPr lang="en-US" altLang="zh-TW" smtClean="0"/>
+              <a:rPr lang="en-US" altLang="zh-TW"/>
               <a:t>Second level</a:t>
             </a:r>
           </a:p>
           <a:p>
             <a:pPr lvl="2"/>
             <a:r>
-              <a:rPr lang="en-US" altLang="zh-TW" smtClean="0"/>
+              <a:rPr lang="en-US" altLang="zh-TW"/>
               <a:t>Third level</a:t>
             </a:r>
           </a:p>
           <a:p>
             <a:pPr lvl="3"/>
             <a:r>
-              <a:rPr lang="en-US" altLang="zh-TW" smtClean="0"/>
+              <a:rPr lang="en-US" altLang="zh-TW"/>
               <a:t>Fourth level</a:t>
             </a:r>
           </a:p>
           <a:p>
             <a:pPr lvl="4"/>
             <a:r>
-              <a:rPr lang="en-US" altLang="zh-TW" smtClean="0"/>
+              <a:rPr lang="en-US" altLang="zh-TW"/>
               <a:t>Fifth level</a:t>
             </a:r>
             <a:endParaRPr lang="zh-TW" altLang="en-US"/>
@@ -595,7 +2788,7 @@
           <a:p>
             <a:fld id="{2F1F00DB-F04A-4D0D-8F97-3C2AC20B93C0}" type="datetimeFigureOut">
               <a:rPr lang="zh-TW" altLang="en-US" smtClean="0"/>
-              <a:t>2022/3/27</a:t>
+              <a:t>2022/3/30</a:t>
             </a:fld>
             <a:endParaRPr lang="zh-TW" altLang="en-US"/>
           </a:p>
@@ -689,7 +2882,7 @@
           <a:lstStyle/>
           <a:p>
             <a:r>
-              <a:rPr lang="en-US" altLang="zh-TW" smtClean="0"/>
+              <a:rPr lang="en-US" altLang="zh-TW"/>
               <a:t>Click to edit Master title style</a:t>
             </a:r>
             <a:endParaRPr lang="zh-TW" altLang="en-US"/>
@@ -713,35 +2906,35 @@
           <a:p>
             <a:pPr lvl="0"/>
             <a:r>
-              <a:rPr lang="en-US" altLang="zh-TW" smtClean="0"/>
+              <a:rPr lang="en-US" altLang="zh-TW"/>
               <a:t>Edit Master text styles</a:t>
             </a:r>
           </a:p>
           <a:p>
             <a:pPr lvl="1"/>
             <a:r>
-              <a:rPr lang="en-US" altLang="zh-TW" smtClean="0"/>
+              <a:rPr lang="en-US" altLang="zh-TW"/>
               <a:t>Second level</a:t>
             </a:r>
           </a:p>
           <a:p>
             <a:pPr lvl="2"/>
             <a:r>
-              <a:rPr lang="en-US" altLang="zh-TW" smtClean="0"/>
+              <a:rPr lang="en-US" altLang="zh-TW"/>
               <a:t>Third level</a:t>
             </a:r>
           </a:p>
           <a:p>
             <a:pPr lvl="3"/>
             <a:r>
-              <a:rPr lang="en-US" altLang="zh-TW" smtClean="0"/>
+              <a:rPr lang="en-US" altLang="zh-TW"/>
               <a:t>Fourth level</a:t>
             </a:r>
           </a:p>
           <a:p>
             <a:pPr lvl="4"/>
             <a:r>
-              <a:rPr lang="en-US" altLang="zh-TW" smtClean="0"/>
+              <a:rPr lang="en-US" altLang="zh-TW"/>
               <a:t>Fifth level</a:t>
             </a:r>
             <a:endParaRPr lang="zh-TW" altLang="en-US"/>
@@ -765,7 +2958,7 @@
           <a:p>
             <a:fld id="{2F1F00DB-F04A-4D0D-8F97-3C2AC20B93C0}" type="datetimeFigureOut">
               <a:rPr lang="zh-TW" altLang="en-US" smtClean="0"/>
-              <a:t>2022/3/27</a:t>
+              <a:t>2022/3/30</a:t>
             </a:fld>
             <a:endParaRPr lang="zh-TW" altLang="en-US"/>
           </a:p>
@@ -868,7 +3061,7 @@
           </a:lstStyle>
           <a:p>
             <a:r>
-              <a:rPr lang="en-US" altLang="zh-TW" smtClean="0"/>
+              <a:rPr lang="en-US" altLang="zh-TW"/>
               <a:t>Click to edit Master title style</a:t>
             </a:r>
             <a:endParaRPr lang="zh-TW" altLang="en-US"/>
@@ -988,7 +3181,7 @@
           <a:p>
             <a:pPr lvl="0"/>
             <a:r>
-              <a:rPr lang="en-US" altLang="zh-TW" smtClean="0"/>
+              <a:rPr lang="en-US" altLang="zh-TW"/>
               <a:t>Edit Master text styles</a:t>
             </a:r>
           </a:p>
@@ -1011,7 +3204,7 @@
           <a:p>
             <a:fld id="{2F1F00DB-F04A-4D0D-8F97-3C2AC20B93C0}" type="datetimeFigureOut">
               <a:rPr lang="zh-TW" altLang="en-US" smtClean="0"/>
-              <a:t>2022/3/27</a:t>
+              <a:t>2022/3/30</a:t>
             </a:fld>
             <a:endParaRPr lang="zh-TW" altLang="en-US"/>
           </a:p>
@@ -1105,7 +3298,7 @@
           <a:lstStyle/>
           <a:p>
             <a:r>
-              <a:rPr lang="en-US" altLang="zh-TW" smtClean="0"/>
+              <a:rPr lang="en-US" altLang="zh-TW"/>
               <a:t>Click to edit Master title style</a:t>
             </a:r>
             <a:endParaRPr lang="zh-TW" altLang="en-US"/>
@@ -1134,35 +3327,35 @@
           <a:p>
             <a:pPr lvl="0"/>
             <a:r>
-              <a:rPr lang="en-US" altLang="zh-TW" smtClean="0"/>
+              <a:rPr lang="en-US" altLang="zh-TW"/>
               <a:t>Edit Master text styles</a:t>
             </a:r>
           </a:p>
           <a:p>
             <a:pPr lvl="1"/>
             <a:r>
-              <a:rPr lang="en-US" altLang="zh-TW" smtClean="0"/>
+              <a:rPr lang="en-US" altLang="zh-TW"/>
               <a:t>Second level</a:t>
             </a:r>
           </a:p>
           <a:p>
             <a:pPr lvl="2"/>
             <a:r>
-              <a:rPr lang="en-US" altLang="zh-TW" smtClean="0"/>
+              <a:rPr lang="en-US" altLang="zh-TW"/>
               <a:t>Third level</a:t>
             </a:r>
           </a:p>
           <a:p>
             <a:pPr lvl="3"/>
             <a:r>
-              <a:rPr lang="en-US" altLang="zh-TW" smtClean="0"/>
+              <a:rPr lang="en-US" altLang="zh-TW"/>
               <a:t>Fourth level</a:t>
             </a:r>
           </a:p>
           <a:p>
             <a:pPr lvl="4"/>
             <a:r>
-              <a:rPr lang="en-US" altLang="zh-TW" smtClean="0"/>
+              <a:rPr lang="en-US" altLang="zh-TW"/>
               <a:t>Fifth level</a:t>
             </a:r>
             <a:endParaRPr lang="zh-TW" altLang="en-US"/>
@@ -1191,35 +3384,35 @@
           <a:p>
             <a:pPr lvl="0"/>
             <a:r>
-              <a:rPr lang="en-US" altLang="zh-TW" smtClean="0"/>
+              <a:rPr lang="en-US" altLang="zh-TW"/>
               <a:t>Edit Master text styles</a:t>
             </a:r>
           </a:p>
           <a:p>
             <a:pPr lvl="1"/>
             <a:r>
-              <a:rPr lang="en-US" altLang="zh-TW" smtClean="0"/>
+              <a:rPr lang="en-US" altLang="zh-TW"/>
               <a:t>Second level</a:t>
             </a:r>
           </a:p>
           <a:p>
             <a:pPr lvl="2"/>
             <a:r>
-              <a:rPr lang="en-US" altLang="zh-TW" smtClean="0"/>
+              <a:rPr lang="en-US" altLang="zh-TW"/>
               <a:t>Third level</a:t>
             </a:r>
           </a:p>
           <a:p>
             <a:pPr lvl="3"/>
             <a:r>
-              <a:rPr lang="en-US" altLang="zh-TW" smtClean="0"/>
+              <a:rPr lang="en-US" altLang="zh-TW"/>
               <a:t>Fourth level</a:t>
             </a:r>
           </a:p>
           <a:p>
             <a:pPr lvl="4"/>
             <a:r>
-              <a:rPr lang="en-US" altLang="zh-TW" smtClean="0"/>
+              <a:rPr lang="en-US" altLang="zh-TW"/>
               <a:t>Fifth level</a:t>
             </a:r>
             <a:endParaRPr lang="zh-TW" altLang="en-US"/>
@@ -1243,7 +3436,7 @@
           <a:p>
             <a:fld id="{2F1F00DB-F04A-4D0D-8F97-3C2AC20B93C0}" type="datetimeFigureOut">
               <a:rPr lang="zh-TW" altLang="en-US" smtClean="0"/>
-              <a:t>2022/3/27</a:t>
+              <a:t>2022/3/30</a:t>
             </a:fld>
             <a:endParaRPr lang="zh-TW" altLang="en-US"/>
           </a:p>
@@ -1342,7 +3535,7 @@
           <a:lstStyle/>
           <a:p>
             <a:r>
-              <a:rPr lang="en-US" altLang="zh-TW" smtClean="0"/>
+              <a:rPr lang="en-US" altLang="zh-TW"/>
               <a:t>Click to edit Master title style</a:t>
             </a:r>
             <a:endParaRPr lang="zh-TW" altLang="en-US"/>
@@ -1408,7 +3601,7 @@
           <a:p>
             <a:pPr lvl="0"/>
             <a:r>
-              <a:rPr lang="en-US" altLang="zh-TW" smtClean="0"/>
+              <a:rPr lang="en-US" altLang="zh-TW"/>
               <a:t>Edit Master text styles</a:t>
             </a:r>
           </a:p>
@@ -1436,35 +3629,35 @@
           <a:p>
             <a:pPr lvl="0"/>
             <a:r>
-              <a:rPr lang="en-US" altLang="zh-TW" smtClean="0"/>
+              <a:rPr lang="en-US" altLang="zh-TW"/>
               <a:t>Edit Master text styles</a:t>
             </a:r>
           </a:p>
           <a:p>
             <a:pPr lvl="1"/>
             <a:r>
-              <a:rPr lang="en-US" altLang="zh-TW" smtClean="0"/>
+              <a:rPr lang="en-US" altLang="zh-TW"/>
               <a:t>Second level</a:t>
             </a:r>
           </a:p>
           <a:p>
             <a:pPr lvl="2"/>
             <a:r>
-              <a:rPr lang="en-US" altLang="zh-TW" smtClean="0"/>
+              <a:rPr lang="en-US" altLang="zh-TW"/>
               <a:t>Third level</a:t>
             </a:r>
           </a:p>
           <a:p>
             <a:pPr lvl="3"/>
             <a:r>
-              <a:rPr lang="en-US" altLang="zh-TW" smtClean="0"/>
+              <a:rPr lang="en-US" altLang="zh-TW"/>
               <a:t>Fourth level</a:t>
             </a:r>
           </a:p>
           <a:p>
             <a:pPr lvl="4"/>
             <a:r>
-              <a:rPr lang="en-US" altLang="zh-TW" smtClean="0"/>
+              <a:rPr lang="en-US" altLang="zh-TW"/>
               <a:t>Fifth level</a:t>
             </a:r>
             <a:endParaRPr lang="zh-TW" altLang="en-US"/>
@@ -1530,7 +3723,7 @@
           <a:p>
             <a:pPr lvl="0"/>
             <a:r>
-              <a:rPr lang="en-US" altLang="zh-TW" smtClean="0"/>
+              <a:rPr lang="en-US" altLang="zh-TW"/>
               <a:t>Edit Master text styles</a:t>
             </a:r>
           </a:p>
@@ -1558,35 +3751,35 @@
           <a:p>
             <a:pPr lvl="0"/>
             <a:r>
-              <a:rPr lang="en-US" altLang="zh-TW" smtClean="0"/>
+              <a:rPr lang="en-US" altLang="zh-TW"/>
               <a:t>Edit Master text styles</a:t>
             </a:r>
           </a:p>
           <a:p>
             <a:pPr lvl="1"/>
             <a:r>
-              <a:rPr lang="en-US" altLang="zh-TW" smtClean="0"/>
+              <a:rPr lang="en-US" altLang="zh-TW"/>
               <a:t>Second level</a:t>
             </a:r>
           </a:p>
           <a:p>
             <a:pPr lvl="2"/>
             <a:r>
-              <a:rPr lang="en-US" altLang="zh-TW" smtClean="0"/>
+              <a:rPr lang="en-US" altLang="zh-TW"/>
               <a:t>Third level</a:t>
             </a:r>
           </a:p>
           <a:p>
             <a:pPr lvl="3"/>
             <a:r>
-              <a:rPr lang="en-US" altLang="zh-TW" smtClean="0"/>
+              <a:rPr lang="en-US" altLang="zh-TW"/>
               <a:t>Fourth level</a:t>
             </a:r>
           </a:p>
           <a:p>
             <a:pPr lvl="4"/>
             <a:r>
-              <a:rPr lang="en-US" altLang="zh-TW" smtClean="0"/>
+              <a:rPr lang="en-US" altLang="zh-TW"/>
               <a:t>Fifth level</a:t>
             </a:r>
             <a:endParaRPr lang="zh-TW" altLang="en-US"/>
@@ -1610,7 +3803,7 @@
           <a:p>
             <a:fld id="{2F1F00DB-F04A-4D0D-8F97-3C2AC20B93C0}" type="datetimeFigureOut">
               <a:rPr lang="zh-TW" altLang="en-US" smtClean="0"/>
-              <a:t>2022/3/27</a:t>
+              <a:t>2022/3/30</a:t>
             </a:fld>
             <a:endParaRPr lang="zh-TW" altLang="en-US"/>
           </a:p>
@@ -1704,7 +3897,7 @@
           <a:lstStyle/>
           <a:p>
             <a:r>
-              <a:rPr lang="en-US" altLang="zh-TW" smtClean="0"/>
+              <a:rPr lang="en-US" altLang="zh-TW"/>
               <a:t>Click to edit Master title style</a:t>
             </a:r>
             <a:endParaRPr lang="zh-TW" altLang="en-US"/>
@@ -1728,7 +3921,7 @@
           <a:p>
             <a:fld id="{2F1F00DB-F04A-4D0D-8F97-3C2AC20B93C0}" type="datetimeFigureOut">
               <a:rPr lang="zh-TW" altLang="en-US" smtClean="0"/>
-              <a:t>2022/3/27</a:t>
+              <a:t>2022/3/30</a:t>
             </a:fld>
             <a:endParaRPr lang="zh-TW" altLang="en-US"/>
           </a:p>
@@ -1823,7 +4016,7 @@
           <a:p>
             <a:fld id="{2F1F00DB-F04A-4D0D-8F97-3C2AC20B93C0}" type="datetimeFigureOut">
               <a:rPr lang="zh-TW" altLang="en-US" smtClean="0"/>
-              <a:t>2022/3/27</a:t>
+              <a:t>2022/3/30</a:t>
             </a:fld>
             <a:endParaRPr lang="zh-TW" altLang="en-US"/>
           </a:p>
@@ -1926,7 +4119,7 @@
           </a:lstStyle>
           <a:p>
             <a:r>
-              <a:rPr lang="en-US" altLang="zh-TW" smtClean="0"/>
+              <a:rPr lang="en-US" altLang="zh-TW"/>
               <a:t>Click to edit Master title style</a:t>
             </a:r>
             <a:endParaRPr lang="zh-TW" altLang="en-US"/>
@@ -1983,35 +4176,35 @@
           <a:p>
             <a:pPr lvl="0"/>
             <a:r>
-              <a:rPr lang="en-US" altLang="zh-TW" smtClean="0"/>
+              <a:rPr lang="en-US" altLang="zh-TW"/>
               <a:t>Edit Master text styles</a:t>
             </a:r>
           </a:p>
           <a:p>
             <a:pPr lvl="1"/>
             <a:r>
-              <a:rPr lang="en-US" altLang="zh-TW" smtClean="0"/>
+              <a:rPr lang="en-US" altLang="zh-TW"/>
               <a:t>Second level</a:t>
             </a:r>
           </a:p>
           <a:p>
             <a:pPr lvl="2"/>
             <a:r>
-              <a:rPr lang="en-US" altLang="zh-TW" smtClean="0"/>
+              <a:rPr lang="en-US" altLang="zh-TW"/>
               <a:t>Third level</a:t>
             </a:r>
           </a:p>
           <a:p>
             <a:pPr lvl="3"/>
             <a:r>
-              <a:rPr lang="en-US" altLang="zh-TW" smtClean="0"/>
+              <a:rPr lang="en-US" altLang="zh-TW"/>
               <a:t>Fourth level</a:t>
             </a:r>
           </a:p>
           <a:p>
             <a:pPr lvl="4"/>
             <a:r>
-              <a:rPr lang="en-US" altLang="zh-TW" smtClean="0"/>
+              <a:rPr lang="en-US" altLang="zh-TW"/>
               <a:t>Fifth level</a:t>
             </a:r>
             <a:endParaRPr lang="zh-TW" altLang="en-US"/>
@@ -2077,7 +4270,7 @@
           <a:p>
             <a:pPr lvl="0"/>
             <a:r>
-              <a:rPr lang="en-US" altLang="zh-TW" smtClean="0"/>
+              <a:rPr lang="en-US" altLang="zh-TW"/>
               <a:t>Edit Master text styles</a:t>
             </a:r>
           </a:p>
@@ -2100,7 +4293,7 @@
           <a:p>
             <a:fld id="{2F1F00DB-F04A-4D0D-8F97-3C2AC20B93C0}" type="datetimeFigureOut">
               <a:rPr lang="zh-TW" altLang="en-US" smtClean="0"/>
-              <a:t>2022/3/27</a:t>
+              <a:t>2022/3/30</a:t>
             </a:fld>
             <a:endParaRPr lang="zh-TW" altLang="en-US"/>
           </a:p>
@@ -2203,7 +4396,7 @@
           </a:lstStyle>
           <a:p>
             <a:r>
-              <a:rPr lang="en-US" altLang="zh-TW" smtClean="0"/>
+              <a:rPr lang="en-US" altLang="zh-TW"/>
               <a:t>Click to edit Master title style</a:t>
             </a:r>
             <a:endParaRPr lang="zh-TW" altLang="en-US"/>
@@ -2330,7 +4523,7 @@
           <a:p>
             <a:pPr lvl="0"/>
             <a:r>
-              <a:rPr lang="en-US" altLang="zh-TW" smtClean="0"/>
+              <a:rPr lang="en-US" altLang="zh-TW"/>
               <a:t>Edit Master text styles</a:t>
             </a:r>
           </a:p>
@@ -2353,7 +4546,7 @@
           <a:p>
             <a:fld id="{2F1F00DB-F04A-4D0D-8F97-3C2AC20B93C0}" type="datetimeFigureOut">
               <a:rPr lang="zh-TW" altLang="en-US" smtClean="0"/>
-              <a:t>2022/3/27</a:t>
+              <a:t>2022/3/30</a:t>
             </a:fld>
             <a:endParaRPr lang="zh-TW" altLang="en-US"/>
           </a:p>
@@ -2462,7 +4655,7 @@
           <a:lstStyle/>
           <a:p>
             <a:r>
-              <a:rPr lang="en-US" altLang="zh-TW" smtClean="0"/>
+              <a:rPr lang="en-US" altLang="zh-TW"/>
               <a:t>Click to edit Master title style</a:t>
             </a:r>
             <a:endParaRPr lang="zh-TW" altLang="en-US"/>
@@ -2496,35 +4689,35 @@
           <a:p>
             <a:pPr lvl="0"/>
             <a:r>
-              <a:rPr lang="en-US" altLang="zh-TW" smtClean="0"/>
+              <a:rPr lang="en-US" altLang="zh-TW"/>
               <a:t>Edit Master text styles</a:t>
             </a:r>
           </a:p>
           <a:p>
             <a:pPr lvl="1"/>
             <a:r>
-              <a:rPr lang="en-US" altLang="zh-TW" smtClean="0"/>
+              <a:rPr lang="en-US" altLang="zh-TW"/>
               <a:t>Second level</a:t>
             </a:r>
           </a:p>
           <a:p>
             <a:pPr lvl="2"/>
             <a:r>
-              <a:rPr lang="en-US" altLang="zh-TW" smtClean="0"/>
+              <a:rPr lang="en-US" altLang="zh-TW"/>
               <a:t>Third level</a:t>
             </a:r>
           </a:p>
           <a:p>
             <a:pPr lvl="3"/>
             <a:r>
-              <a:rPr lang="en-US" altLang="zh-TW" smtClean="0"/>
+              <a:rPr lang="en-US" altLang="zh-TW"/>
               <a:t>Fourth level</a:t>
             </a:r>
           </a:p>
           <a:p>
             <a:pPr lvl="4"/>
             <a:r>
-              <a:rPr lang="en-US" altLang="zh-TW" smtClean="0"/>
+              <a:rPr lang="en-US" altLang="zh-TW"/>
               <a:t>Fifth level</a:t>
             </a:r>
             <a:endParaRPr lang="zh-TW" altLang="en-US"/>
@@ -2566,7 +4759,7 @@
           <a:p>
             <a:fld id="{2F1F00DB-F04A-4D0D-8F97-3C2AC20B93C0}" type="datetimeFigureOut">
               <a:rPr lang="zh-TW" altLang="en-US" smtClean="0"/>
-              <a:t>2022/3/27</a:t>
+              <a:t>2022/3/30</a:t>
             </a:fld>
             <a:endParaRPr lang="zh-TW" altLang="en-US"/>
           </a:p>
@@ -2990,11 +5183,7 @@
           <a:p>
             <a:r>
               <a:rPr lang="en-US" altLang="zh-TW" b="1" dirty="0"/>
-              <a:t>Application Acceleration with High-Level </a:t>
-            </a:r>
-            <a:r>
-              <a:rPr lang="en-US" altLang="zh-TW" b="1" dirty="0" smtClean="0"/>
-              <a:t>Synthesis</a:t>
+              <a:t>Application Acceleration with High-Level Synthesis</a:t>
             </a:r>
             <a:endParaRPr lang="zh-TW" altLang="en-US" dirty="0"/>
           </a:p>
@@ -3016,39 +5205,23 @@
           <a:lstStyle/>
           <a:p>
             <a:r>
-              <a:rPr lang="en-US" altLang="zh-TW" dirty="0" smtClean="0"/>
+              <a:rPr lang="en-US" altLang="zh-TW" dirty="0"/>
               <a:t>110062703</a:t>
             </a:r>
             <a:r>
-              <a:rPr lang="zh-TW" altLang="en-US" dirty="0" smtClean="0"/>
+              <a:rPr lang="zh-TW" altLang="en-US" dirty="0"/>
               <a:t> 梁浩祥</a:t>
             </a:r>
-            <a:endParaRPr lang="en-US" altLang="zh-TW" dirty="0" smtClean="0"/>
-          </a:p>
-          <a:p>
-            <a:r>
-              <a:rPr lang="en-US" altLang="zh-TW" dirty="0" err="1" smtClean="0"/>
+            <a:endParaRPr lang="en-US" altLang="zh-TW" dirty="0"/>
+          </a:p>
+          <a:p>
+            <a:r>
+              <a:rPr lang="en-US" altLang="zh-TW" dirty="0" err="1"/>
               <a:t>LabB</a:t>
             </a:r>
             <a:r>
-              <a:rPr lang="en-US" altLang="zh-TW" dirty="0" smtClean="0"/>
-              <a:t> no.9 Sparse </a:t>
-            </a:r>
-            <a:r>
               <a:rPr lang="en-US" altLang="zh-TW" dirty="0"/>
-              <a:t>M</a:t>
-            </a:r>
-            <a:r>
-              <a:rPr lang="en-US" altLang="zh-TW" dirty="0" smtClean="0"/>
-              <a:t>atrix </a:t>
-            </a:r>
-            <a:r>
-              <a:rPr lang="en-US" altLang="zh-TW" dirty="0"/>
-              <a:t>M</a:t>
-            </a:r>
-            <a:r>
-              <a:rPr lang="en-US" altLang="zh-TW" dirty="0" smtClean="0"/>
-              <a:t>ultiplication</a:t>
+              <a:t> no.9 Sparse Matrix Multiplication</a:t>
             </a:r>
             <a:endParaRPr lang="zh-TW" altLang="en-US" dirty="0"/>
           </a:p>
@@ -3100,7 +5273,7 @@
           <a:lstStyle/>
           <a:p>
             <a:r>
-              <a:rPr lang="en-US" altLang="zh-TW" dirty="0" smtClean="0"/>
+              <a:rPr lang="en-US" altLang="zh-TW" dirty="0"/>
               <a:t>Overall system</a:t>
             </a:r>
             <a:endParaRPr lang="zh-TW" altLang="en-US" dirty="0"/>
@@ -3128,19 +5301,19 @@
           <a:lstStyle/>
           <a:p>
             <a:r>
-              <a:rPr lang="en-US" altLang="zh-TW" dirty="0" smtClean="0"/>
+              <a:rPr lang="en-US" altLang="zh-TW" dirty="0"/>
               <a:t>Sparse matrix unlike usual matrix is mostly contains 0</a:t>
             </a:r>
           </a:p>
           <a:p>
             <a:r>
-              <a:rPr lang="en-US" altLang="zh-TW" dirty="0" smtClean="0"/>
+              <a:rPr lang="en-US" altLang="zh-TW" dirty="0"/>
               <a:t>Storing in standard data structure will have a lot of waste.</a:t>
             </a:r>
           </a:p>
           <a:p>
             <a:r>
-              <a:rPr lang="en-US" altLang="zh-TW" dirty="0" smtClean="0"/>
+              <a:rPr lang="en-US" altLang="zh-TW" dirty="0"/>
               <a:t>Hence, we use compressed row storage(CRS) for storing</a:t>
             </a:r>
             <a:endParaRPr lang="zh-TW" altLang="en-US" dirty="0"/>
@@ -3156,7 +5329,7 @@
           <p:nvPr/>
         </p:nvPicPr>
         <p:blipFill>
-          <a:blip r:embed="rId2"/>
+          <a:blip r:embed="rId3"/>
           <a:stretch>
             <a:fillRect/>
           </a:stretch>
@@ -3217,7 +5390,7 @@
           <a:lstStyle/>
           <a:p>
             <a:r>
-              <a:rPr lang="en-US" altLang="zh-TW" dirty="0" smtClean="0"/>
+              <a:rPr lang="en-US" altLang="zh-TW" dirty="0"/>
               <a:t>Implementation</a:t>
             </a:r>
             <a:endParaRPr lang="zh-TW" altLang="en-US" dirty="0"/>
@@ -3233,7 +5406,7 @@
           <p:nvPr/>
         </p:nvPicPr>
         <p:blipFill>
-          <a:blip r:embed="rId2"/>
+          <a:blip r:embed="rId3"/>
           <a:stretch>
             <a:fillRect/>
           </a:stretch>
@@ -3294,7 +5467,7 @@
           <a:lstStyle/>
           <a:p>
             <a:r>
-              <a:rPr lang="en-US" altLang="zh-TW" dirty="0" smtClean="0"/>
+              <a:rPr lang="en-US" altLang="zh-TW" dirty="0"/>
               <a:t>Implementation</a:t>
             </a:r>
             <a:endParaRPr lang="zh-TW" altLang="en-US" dirty="0"/>
@@ -3308,7 +5481,7 @@
           <p:nvPr/>
         </p:nvPicPr>
         <p:blipFill>
-          <a:blip r:embed="rId2"/>
+          <a:blip r:embed="rId3"/>
           <a:stretch>
             <a:fillRect/>
           </a:stretch>
@@ -3369,7 +5542,7 @@
           <a:lstStyle/>
           <a:p>
             <a:r>
-              <a:rPr lang="en-US" altLang="zh-TW" dirty="0" smtClean="0"/>
+              <a:rPr lang="en-US" altLang="zh-TW" dirty="0"/>
               <a:t>Analyze</a:t>
             </a:r>
             <a:endParaRPr lang="zh-TW" altLang="en-US" dirty="0"/>
@@ -3383,7 +5556,7 @@
           <p:nvPr/>
         </p:nvPicPr>
         <p:blipFill>
-          <a:blip r:embed="rId2"/>
+          <a:blip r:embed="rId3"/>
           <a:stretch>
             <a:fillRect/>
           </a:stretch>
@@ -3405,7 +5578,7 @@
           <p:nvPr/>
         </p:nvPicPr>
         <p:blipFill rotWithShape="1">
-          <a:blip r:embed="rId3">
+          <a:blip r:embed="rId4">
             <a:extLst>
               <a:ext uri="{28A0092B-C50C-407E-A947-70E740481C1C}">
                 <a14:useLocalDpi xmlns:a14="http://schemas.microsoft.com/office/drawing/2010/main" val="0"/>
@@ -3518,7 +5691,7 @@
           <a:lstStyle/>
           <a:p>
             <a:r>
-              <a:rPr lang="en-US" altLang="zh-TW" dirty="0" smtClean="0"/>
+              <a:rPr lang="en-US" altLang="zh-TW" dirty="0"/>
               <a:t>Optimization</a:t>
             </a:r>
             <a:endParaRPr lang="zh-TW" altLang="en-US" dirty="0"/>
@@ -3546,35 +5719,35 @@
           <a:lstStyle/>
           <a:p>
             <a:r>
-              <a:rPr lang="en-US" altLang="zh-TW" dirty="0" smtClean="0"/>
+              <a:rPr lang="en-US" altLang="zh-TW" dirty="0"/>
               <a:t>Directives</a:t>
             </a:r>
           </a:p>
           <a:p>
             <a:pPr lvl="1"/>
             <a:r>
-              <a:rPr lang="en-US" altLang="zh-TW" dirty="0" smtClean="0"/>
+              <a:rPr lang="en-US" altLang="zh-TW" dirty="0"/>
               <a:t>Unroll</a:t>
             </a:r>
           </a:p>
           <a:p>
             <a:pPr lvl="1"/>
             <a:r>
-              <a:rPr lang="en-US" altLang="zh-TW" dirty="0" smtClean="0"/>
+              <a:rPr lang="en-US" altLang="zh-TW" dirty="0"/>
               <a:t>Pipeline</a:t>
             </a:r>
           </a:p>
           <a:p>
             <a:pPr lvl="1"/>
             <a:r>
-              <a:rPr lang="en-US" altLang="zh-TW" dirty="0" smtClean="0"/>
+              <a:rPr lang="en-US" altLang="zh-TW" dirty="0"/>
               <a:t>Cyclic</a:t>
             </a:r>
           </a:p>
           <a:p>
             <a:pPr lvl="1"/>
             <a:r>
-              <a:rPr lang="en-US" altLang="zh-TW" dirty="0" smtClean="0"/>
+              <a:rPr lang="en-US" altLang="zh-TW" dirty="0"/>
               <a:t>block</a:t>
             </a:r>
             <a:endParaRPr lang="zh-TW" altLang="en-US" dirty="0"/>
@@ -3588,7 +5761,7 @@
           <p:nvPr/>
         </p:nvPicPr>
         <p:blipFill>
-          <a:blip r:embed="rId2"/>
+          <a:blip r:embed="rId3"/>
           <a:stretch>
             <a:fillRect/>
           </a:stretch>
@@ -3610,7 +5783,7 @@
           <p:nvPr/>
         </p:nvPicPr>
         <p:blipFill>
-          <a:blip r:embed="rId3">
+          <a:blip r:embed="rId4">
             <a:extLst>
               <a:ext uri="{28A0092B-C50C-407E-A947-70E740481C1C}">
                 <a14:useLocalDpi xmlns:a14="http://schemas.microsoft.com/office/drawing/2010/main" val="0"/>
@@ -3687,7 +5860,7 @@
           <a:lstStyle/>
           <a:p>
             <a:r>
-              <a:rPr lang="en-US" altLang="zh-TW" dirty="0" smtClean="0"/>
+              <a:rPr lang="en-US" altLang="zh-TW" dirty="0"/>
               <a:t>Optimization</a:t>
             </a:r>
             <a:endParaRPr lang="zh-TW" altLang="en-US" dirty="0"/>
@@ -3703,7 +5876,7 @@
           <p:nvPr>
             <p:extLst>
               <p:ext uri="{D42A27DB-BD31-4B8C-83A1-F6EECF244321}">
-                <p14:modId xmlns:p14="http://schemas.microsoft.com/office/powerpoint/2010/main" val="2794127577"/>
+                <p14:modId xmlns:p14="http://schemas.microsoft.com/office/powerpoint/2010/main" val="1505264024"/>
               </p:ext>
             </p:extLst>
           </p:nvPr>
@@ -4064,7 +6237,7 @@
                         </a:spcAft>
                       </a:pPr>
                       <a:r>
-                        <a:rPr lang="en-US" sz="1600" kern="100">
+                        <a:rPr lang="en-US" sz="1600" kern="100" dirty="0">
                           <a:effectLst/>
                           <a:latin typeface="Times New Roman" panose="02020603050405020304" pitchFamily="18" charset="0"/>
                           <a:ea typeface="新細明體" panose="02020500000000000000" pitchFamily="18" charset="-120"/>
@@ -4072,7 +6245,7 @@
                         </a:rPr>
                         <a:t>Iteration latency</a:t>
                       </a:r>
-                      <a:endParaRPr lang="zh-TW" sz="1600" kern="100">
+                      <a:endParaRPr lang="zh-TW" sz="1600" kern="100" dirty="0">
                         <a:effectLst/>
                         <a:latin typeface="Calibri" panose="020F0502020204030204" pitchFamily="34" charset="0"/>
                         <a:ea typeface="新細明體" panose="02020500000000000000" pitchFamily="18" charset="-120"/>
@@ -4130,7 +6303,7 @@
                         </a:spcAft>
                       </a:pPr>
                       <a:r>
-                        <a:rPr lang="en-US" sz="1600" kern="100">
+                        <a:rPr lang="en-US" sz="1600" kern="100" dirty="0">
                           <a:effectLst/>
                           <a:latin typeface="Times New Roman" panose="02020603050405020304" pitchFamily="18" charset="0"/>
                           <a:ea typeface="新細明體" panose="02020500000000000000" pitchFamily="18" charset="-120"/>
@@ -4138,7 +6311,7 @@
                         </a:rPr>
                         <a:t>Interval</a:t>
                       </a:r>
-                      <a:endParaRPr lang="zh-TW" sz="1600" kern="100">
+                      <a:endParaRPr lang="zh-TW" sz="1600" kern="100" dirty="0">
                         <a:effectLst/>
                         <a:latin typeface="Calibri" panose="020F0502020204030204" pitchFamily="34" charset="0"/>
                         <a:ea typeface="新細明體" panose="02020500000000000000" pitchFamily="18" charset="-120"/>
@@ -4196,7 +6369,7 @@
                         </a:spcAft>
                       </a:pPr>
                       <a:r>
-                        <a:rPr lang="en-US" sz="1600" kern="100">
+                        <a:rPr lang="en-US" sz="1600" kern="100" dirty="0">
                           <a:effectLst/>
                           <a:latin typeface="Times New Roman" panose="02020603050405020304" pitchFamily="18" charset="0"/>
                           <a:ea typeface="新細明體" panose="02020500000000000000" pitchFamily="18" charset="-120"/>
@@ -4204,7 +6377,7 @@
                         </a:rPr>
                         <a:t>Trip count</a:t>
                       </a:r>
-                      <a:endParaRPr lang="zh-TW" sz="1600" kern="100">
+                      <a:endParaRPr lang="zh-TW" sz="1600" kern="100" dirty="0">
                         <a:effectLst/>
                         <a:latin typeface="Calibri" panose="020F0502020204030204" pitchFamily="34" charset="0"/>
                         <a:ea typeface="新細明體" panose="02020500000000000000" pitchFamily="18" charset="-120"/>
@@ -4322,21 +6495,21 @@
                     <a:bodyPr/>
                     <a:lstStyle/>
                     <a:p>
-                      <a:pPr marL="304800">
+                      <a:pPr marL="304800" algn="l">
                         <a:spcAft>
                           <a:spcPts val="0"/>
                         </a:spcAft>
                       </a:pPr>
                       <a:r>
-                        <a:rPr lang="en-US" sz="1600" kern="100">
+                        <a:rPr lang="en-US" altLang="zh-TW" sz="1600" kern="100" dirty="0">
                           <a:effectLst/>
                           <a:latin typeface="Times New Roman" panose="02020603050405020304" pitchFamily="18" charset="0"/>
                           <a:ea typeface="新細明體" panose="02020500000000000000" pitchFamily="18" charset="-120"/>
                           <a:cs typeface="Times New Roman" panose="02020603050405020304" pitchFamily="18" charset="0"/>
                         </a:rPr>
-                        <a:t>DD</a:t>
+                        <a:t>FF</a:t>
                       </a:r>
-                      <a:endParaRPr lang="zh-TW" sz="1600" kern="100">
+                      <a:endParaRPr lang="zh-TW" sz="1600" kern="100" dirty="0">
                         <a:effectLst/>
                         <a:latin typeface="Calibri" panose="020F0502020204030204" pitchFamily="34" charset="0"/>
                         <a:ea typeface="新細明體" panose="02020500000000000000" pitchFamily="18" charset="-120"/>
@@ -4394,7 +6567,7 @@
                         </a:spcAft>
                       </a:pPr>
                       <a:r>
-                        <a:rPr lang="en-US" sz="1600" kern="100">
+                        <a:rPr lang="en-US" sz="1600" kern="100" dirty="0">
                           <a:effectLst/>
                           <a:latin typeface="Times New Roman" panose="02020603050405020304" pitchFamily="18" charset="0"/>
                           <a:ea typeface="新細明體" panose="02020500000000000000" pitchFamily="18" charset="-120"/>
@@ -4402,7 +6575,7 @@
                         </a:rPr>
                         <a:t>LUT</a:t>
                       </a:r>
-                      <a:endParaRPr lang="zh-TW" sz="1600" kern="100">
+                      <a:endParaRPr lang="zh-TW" sz="1600" kern="100" dirty="0">
                         <a:effectLst/>
                         <a:latin typeface="Calibri" panose="020F0502020204030204" pitchFamily="34" charset="0"/>
                         <a:ea typeface="新細明體" panose="02020500000000000000" pitchFamily="18" charset="-120"/>
@@ -5266,7 +7439,7 @@
                         </a:spcAft>
                       </a:pPr>
                       <a:r>
-                        <a:rPr lang="en-US" sz="1600" kern="100" dirty="0" smtClean="0">
+                        <a:rPr lang="en-US" sz="1600" kern="100" dirty="0">
                           <a:effectLst/>
                           <a:latin typeface="Times New Roman" panose="02020603050405020304" pitchFamily="18" charset="0"/>
                           <a:ea typeface="新細明體" panose="02020500000000000000" pitchFamily="18" charset="-120"/>
@@ -5867,7 +8040,7 @@
                         </a:spcAft>
                       </a:pPr>
                       <a:r>
-                        <a:rPr lang="en-US" altLang="zh-TW" sz="1600" kern="100" dirty="0" smtClean="0">
+                        <a:rPr lang="en-US" altLang="zh-TW" sz="1600" kern="100" dirty="0">
                           <a:effectLst/>
                           <a:latin typeface="Times New Roman" panose="02020603050405020304" pitchFamily="18" charset="0"/>
                           <a:ea typeface="+mn-ea"/>
@@ -7327,7 +9500,7 @@
                         </a:spcAft>
                       </a:pPr>
                       <a:r>
-                        <a:rPr lang="en-US" altLang="zh-TW" sz="1600" kern="100" dirty="0" smtClean="0">
+                        <a:rPr lang="en-US" altLang="zh-TW" sz="1600" kern="100" dirty="0">
                           <a:effectLst/>
                           <a:latin typeface="Times New Roman" panose="02020603050405020304" pitchFamily="18" charset="0"/>
                           <a:ea typeface="+mn-ea"/>
@@ -7679,7 +9852,7 @@
                         </a:spcAft>
                       </a:pPr>
                       <a:r>
-                        <a:rPr lang="en-US" sz="1600" kern="100">
+                        <a:rPr lang="en-US" sz="1600" kern="100" dirty="0">
                           <a:effectLst/>
                           <a:latin typeface="Times New Roman" panose="02020603050405020304" pitchFamily="18" charset="0"/>
                           <a:ea typeface="新細明體" panose="02020500000000000000" pitchFamily="18" charset="-120"/>
@@ -7687,7 +9860,7 @@
                         </a:rPr>
                         <a:t>5</a:t>
                       </a:r>
-                      <a:endParaRPr lang="zh-TW" sz="1600" kern="100">
+                      <a:endParaRPr lang="zh-TW" sz="1600" kern="100" dirty="0">
                         <a:effectLst/>
                         <a:latin typeface="Calibri" panose="020F0502020204030204" pitchFamily="34" charset="0"/>
                         <a:ea typeface="新細明體" panose="02020500000000000000" pitchFamily="18" charset="-120"/>
@@ -8016,7 +10189,7 @@
                         </a:spcAft>
                       </a:pPr>
                       <a:r>
-                        <a:rPr lang="en-US" altLang="zh-TW" sz="1600" kern="100" dirty="0" smtClean="0">
+                        <a:rPr lang="en-US" altLang="zh-TW" sz="1600" kern="100" dirty="0">
                           <a:effectLst/>
                           <a:latin typeface="Times New Roman" panose="02020603050405020304" pitchFamily="18" charset="0"/>
                           <a:ea typeface="+mn-ea"/>
@@ -8727,7 +10900,7 @@
                         </a:spcAft>
                       </a:pPr>
                       <a:r>
-                        <a:rPr lang="en-US" altLang="zh-TW" sz="1600" kern="100" dirty="0" smtClean="0">
+                        <a:rPr lang="en-US" altLang="zh-TW" sz="1600" kern="100" dirty="0">
                           <a:effectLst/>
                           <a:latin typeface="Times New Roman" panose="02020603050405020304" pitchFamily="18" charset="0"/>
                           <a:ea typeface="+mn-ea"/>
@@ -9416,7 +11589,7 @@
                         </a:spcAft>
                       </a:pPr>
                       <a:r>
-                        <a:rPr lang="en-US" altLang="zh-TW" sz="1600" kern="100" dirty="0" smtClean="0">
+                        <a:rPr lang="en-US" altLang="zh-TW" sz="1600" kern="100" dirty="0">
                           <a:effectLst/>
                           <a:latin typeface="Times New Roman" panose="02020603050405020304" pitchFamily="18" charset="0"/>
                           <a:ea typeface="+mn-ea"/>
@@ -10127,7 +12300,7 @@
                         </a:spcAft>
                       </a:pPr>
                       <a:r>
-                        <a:rPr lang="en-US" altLang="zh-TW" sz="1600" kern="100" dirty="0" smtClean="0">
+                        <a:rPr lang="en-US" altLang="zh-TW" sz="1600" kern="100" dirty="0">
                           <a:effectLst/>
                           <a:latin typeface="Times New Roman" panose="02020603050405020304" pitchFamily="18" charset="0"/>
                           <a:ea typeface="+mn-ea"/>
@@ -10347,7 +12520,7 @@
                         </a:spcAft>
                       </a:pPr>
                       <a:r>
-                        <a:rPr lang="en-US" sz="1600" kern="100">
+                        <a:rPr lang="en-US" sz="1600" kern="100" dirty="0">
                           <a:effectLst/>
                           <a:latin typeface="Times New Roman" panose="02020603050405020304" pitchFamily="18" charset="0"/>
                           <a:ea typeface="新細明體" panose="02020500000000000000" pitchFamily="18" charset="-120"/>
@@ -10355,7 +12528,7 @@
                         </a:rPr>
                         <a:t>40</a:t>
                       </a:r>
-                      <a:endParaRPr lang="zh-TW" sz="1600" kern="100">
+                      <a:endParaRPr lang="zh-TW" sz="1600" kern="100" dirty="0">
                         <a:effectLst/>
                         <a:latin typeface="Calibri" panose="020F0502020204030204" pitchFamily="34" charset="0"/>
                         <a:ea typeface="新細明體" panose="02020500000000000000" pitchFamily="18" charset="-120"/>
@@ -10816,7 +12989,7 @@
                         </a:spcAft>
                       </a:pPr>
                       <a:r>
-                        <a:rPr lang="en-US" altLang="zh-TW" sz="1600" kern="100" dirty="0" smtClean="0">
+                        <a:rPr lang="en-US" altLang="zh-TW" sz="1600" kern="100" dirty="0">
                           <a:effectLst/>
                           <a:latin typeface="Times New Roman" panose="02020603050405020304" pitchFamily="18" charset="0"/>
                           <a:ea typeface="+mn-ea"/>
@@ -11527,7 +13700,7 @@
                         </a:spcAft>
                       </a:pPr>
                       <a:r>
-                        <a:rPr lang="en-US" altLang="zh-TW" sz="1600" kern="100" dirty="0" smtClean="0">
+                        <a:rPr lang="en-US" altLang="zh-TW" sz="1600" kern="100" dirty="0">
                           <a:effectLst/>
                           <a:latin typeface="Times New Roman" panose="02020603050405020304" pitchFamily="18" charset="0"/>
                           <a:ea typeface="+mn-ea"/>
@@ -12144,11 +14317,11 @@
           <a:lstStyle/>
           <a:p>
             <a:r>
-              <a:rPr lang="en-US" altLang="zh-TW" dirty="0" err="1" smtClean="0"/>
+              <a:rPr lang="en-US" altLang="zh-TW" dirty="0" err="1"/>
               <a:t>Observered</a:t>
             </a:r>
             <a:r>
-              <a:rPr lang="en-US" altLang="zh-TW" dirty="0" smtClean="0"/>
+              <a:rPr lang="en-US" altLang="zh-TW" dirty="0"/>
               <a:t> and Learned</a:t>
             </a:r>
             <a:endParaRPr lang="zh-TW" altLang="en-US" dirty="0"/>
@@ -12171,69 +14344,69 @@
           <a:lstStyle/>
           <a:p>
             <a:r>
-              <a:rPr lang="en-US" altLang="zh-TW" dirty="0" smtClean="0"/>
+              <a:rPr lang="en-US" altLang="zh-TW" dirty="0"/>
               <a:t>Set </a:t>
             </a:r>
             <a:r>
-              <a:rPr lang="en-US" altLang="zh-TW" dirty="0" err="1" smtClean="0"/>
+              <a:rPr lang="en-US" altLang="zh-TW" dirty="0" err="1"/>
               <a:t>pipline</a:t>
             </a:r>
             <a:r>
-              <a:rPr lang="en-US" altLang="zh-TW" dirty="0" smtClean="0"/>
+              <a:rPr lang="en-US" altLang="zh-TW" dirty="0"/>
               <a:t> II = 2 or 1 will cause violation, but don’t set anything won’t</a:t>
             </a:r>
           </a:p>
           <a:p>
             <a:r>
-              <a:rPr lang="en-US" altLang="zh-TW" dirty="0" smtClean="0"/>
+              <a:rPr lang="en-US" altLang="zh-TW" dirty="0"/>
               <a:t>Xilinx HLS is very easy to use compare with RTL</a:t>
             </a:r>
           </a:p>
           <a:p>
             <a:pPr lvl="1"/>
             <a:r>
-              <a:rPr lang="en-US" altLang="zh-TW" dirty="0" smtClean="0"/>
+              <a:rPr lang="en-US" altLang="zh-TW" dirty="0"/>
               <a:t>No worry for change of functionality after pipeline, unroll, data partition.</a:t>
             </a:r>
           </a:p>
           <a:p>
             <a:pPr lvl="1"/>
             <a:r>
-              <a:rPr lang="en-US" altLang="zh-TW" dirty="0" smtClean="0"/>
+              <a:rPr lang="en-US" altLang="zh-TW" dirty="0"/>
               <a:t>Compile time is negligible</a:t>
             </a:r>
           </a:p>
           <a:p>
             <a:pPr lvl="1"/>
             <a:r>
-              <a:rPr lang="en-US" altLang="zh-TW" dirty="0" smtClean="0"/>
+              <a:rPr lang="en-US" altLang="zh-TW" dirty="0"/>
               <a:t>Agile design space exploration</a:t>
             </a:r>
           </a:p>
           <a:p>
             <a:pPr lvl="1"/>
             <a:r>
-              <a:rPr lang="en-US" altLang="zh-TW" dirty="0" smtClean="0"/>
+              <a:rPr lang="en-US" altLang="zh-TW" dirty="0"/>
               <a:t>Many directives options.</a:t>
             </a:r>
           </a:p>
           <a:p>
             <a:r>
-              <a:rPr lang="en-US" altLang="zh-TW" dirty="0" smtClean="0"/>
+              <a:rPr lang="en-US" altLang="zh-TW" dirty="0"/>
               <a:t>And more open public information compare with Stratus HLS</a:t>
             </a:r>
           </a:p>
           <a:p>
             <a:pPr lvl="1"/>
             <a:r>
-              <a:rPr lang="en-US" altLang="zh-TW" dirty="0" smtClean="0"/>
+              <a:rPr lang="en-US" altLang="zh-TW" dirty="0"/>
               <a:t>A lot of documentation online</a:t>
             </a:r>
           </a:p>
           <a:p>
             <a:pPr lvl="1"/>
             <a:r>
-              <a:rPr lang="en-US" altLang="zh-TW" dirty="0" smtClean="0"/>
+              <a:rPr lang="en-US" altLang="zh-TW" dirty="0"/>
               <a:t>A lot of discussions/ tutorial online</a:t>
             </a:r>
             <a:endParaRPr lang="zh-TW" altLang="en-US" dirty="0"/>
@@ -12512,4 +14685,299 @@
     </a:ext>
   </a:extLst>
 </a:theme>
+</file>
+
+<file path=ppt/theme/theme2.xml><?xml version="1.0" encoding="utf-8"?>
+<a:theme xmlns:a="http://schemas.openxmlformats.org/drawingml/2006/main" name="Office 佈景主題">
+  <a:themeElements>
+    <a:clrScheme name="Office">
+      <a:dk1>
+        <a:sysClr val="windowText" lastClr="000000"/>
+      </a:dk1>
+      <a:lt1>
+        <a:sysClr val="window" lastClr="FFFFFF"/>
+      </a:lt1>
+      <a:dk2>
+        <a:srgbClr val="44546A"/>
+      </a:dk2>
+      <a:lt2>
+        <a:srgbClr val="E7E6E6"/>
+      </a:lt2>
+      <a:accent1>
+        <a:srgbClr val="4472C4"/>
+      </a:accent1>
+      <a:accent2>
+        <a:srgbClr val="ED7D31"/>
+      </a:accent2>
+      <a:accent3>
+        <a:srgbClr val="A5A5A5"/>
+      </a:accent3>
+      <a:accent4>
+        <a:srgbClr val="FFC000"/>
+      </a:accent4>
+      <a:accent5>
+        <a:srgbClr val="5B9BD5"/>
+      </a:accent5>
+      <a:accent6>
+        <a:srgbClr val="70AD47"/>
+      </a:accent6>
+      <a:hlink>
+        <a:srgbClr val="0563C1"/>
+      </a:hlink>
+      <a:folHlink>
+        <a:srgbClr val="954F72"/>
+      </a:folHlink>
+    </a:clrScheme>
+    <a:fontScheme name="Office">
+      <a:majorFont>
+        <a:latin typeface="Calibri Light" panose="020F0302020204030204"/>
+        <a:ea typeface=""/>
+        <a:cs typeface=""/>
+        <a:font script="Jpan" typeface="游ゴシック Light"/>
+        <a:font script="Hang" typeface="맑은 고딕"/>
+        <a:font script="Hans" typeface="等线 Light"/>
+        <a:font script="Hant" typeface="新細明體"/>
+        <a:font script="Arab" typeface="Times New Roman"/>
+        <a:font script="Hebr" typeface="Times New Roman"/>
+        <a:font script="Thai" typeface="Angsana New"/>
+        <a:font script="Ethi" typeface="Nyala"/>
+        <a:font script="Beng" typeface="Vrinda"/>
+        <a:font script="Gujr" typeface="Shruti"/>
+        <a:font script="Khmr" typeface="MoolBoran"/>
+        <a:font script="Knda" typeface="Tunga"/>
+        <a:font script="Guru" typeface="Raavi"/>
+        <a:font script="Cans" typeface="Euphemia"/>
+        <a:font script="Cher" typeface="Plantagenet Cherokee"/>
+        <a:font script="Yiii" typeface="Microsoft Yi Baiti"/>
+        <a:font script="Tibt" typeface="Microsoft Himalaya"/>
+        <a:font script="Thaa" typeface="MV Boli"/>
+        <a:font script="Deva" typeface="Mangal"/>
+        <a:font script="Telu" typeface="Gautami"/>
+        <a:font script="Taml" typeface="Latha"/>
+        <a:font script="Syrc" typeface="Estrangelo Edessa"/>
+        <a:font script="Orya" typeface="Kalinga"/>
+        <a:font script="Mlym" typeface="Kartika"/>
+        <a:font script="Laoo" typeface="DokChampa"/>
+        <a:font script="Sinh" typeface="Iskoola Pota"/>
+        <a:font script="Mong" typeface="Mongolian Baiti"/>
+        <a:font script="Viet" typeface="Times New Roman"/>
+        <a:font script="Uigh" typeface="Microsoft Uighur"/>
+        <a:font script="Geor" typeface="Sylfaen"/>
+        <a:font script="Armn" typeface="Arial"/>
+        <a:font script="Bugi" typeface="Leelawadee UI"/>
+        <a:font script="Bopo" typeface="Microsoft JhengHei"/>
+        <a:font script="Java" typeface="Javanese Text"/>
+        <a:font script="Lisu" typeface="Segoe UI"/>
+        <a:font script="Mymr" typeface="Myanmar Text"/>
+        <a:font script="Nkoo" typeface="Ebrima"/>
+        <a:font script="Olck" typeface="Nirmala UI"/>
+        <a:font script="Osma" typeface="Ebrima"/>
+        <a:font script="Phag" typeface="Phagspa"/>
+        <a:font script="Syrn" typeface="Estrangelo Edessa"/>
+        <a:font script="Syrj" typeface="Estrangelo Edessa"/>
+        <a:font script="Syre" typeface="Estrangelo Edessa"/>
+        <a:font script="Sora" typeface="Nirmala UI"/>
+        <a:font script="Tale" typeface="Microsoft Tai Le"/>
+        <a:font script="Talu" typeface="Microsoft New Tai Lue"/>
+        <a:font script="Tfng" typeface="Ebrima"/>
+      </a:majorFont>
+      <a:minorFont>
+        <a:latin typeface="Calibri" panose="020F0502020204030204"/>
+        <a:ea typeface=""/>
+        <a:cs typeface=""/>
+        <a:font script="Jpan" typeface="游ゴシック"/>
+        <a:font script="Hang" typeface="맑은 고딕"/>
+        <a:font script="Hans" typeface="等线"/>
+        <a:font script="Hant" typeface="新細明體"/>
+        <a:font script="Arab" typeface="Arial"/>
+        <a:font script="Hebr" typeface="Arial"/>
+        <a:font script="Thai" typeface="Cordia New"/>
+        <a:font script="Ethi" typeface="Nyala"/>
+        <a:font script="Beng" typeface="Vrinda"/>
+        <a:font script="Gujr" typeface="Shruti"/>
+        <a:font script="Khmr" typeface="DaunPenh"/>
+        <a:font script="Knda" typeface="Tunga"/>
+        <a:font script="Guru" typeface="Raavi"/>
+        <a:font script="Cans" typeface="Euphemia"/>
+        <a:font script="Cher" typeface="Plantagenet Cherokee"/>
+        <a:font script="Yiii" typeface="Microsoft Yi Baiti"/>
+        <a:font script="Tibt" typeface="Microsoft Himalaya"/>
+        <a:font script="Thaa" typeface="MV Boli"/>
+        <a:font script="Deva" typeface="Mangal"/>
+        <a:font script="Telu" typeface="Gautami"/>
+        <a:font script="Taml" typeface="Latha"/>
+        <a:font script="Syrc" typeface="Estrangelo Edessa"/>
+        <a:font script="Orya" typeface="Kalinga"/>
+        <a:font script="Mlym" typeface="Kartika"/>
+        <a:font script="Laoo" typeface="DokChampa"/>
+        <a:font script="Sinh" typeface="Iskoola Pota"/>
+        <a:font script="Mong" typeface="Mongolian Baiti"/>
+        <a:font script="Viet" typeface="Arial"/>
+        <a:font script="Uigh" typeface="Microsoft Uighur"/>
+        <a:font script="Geor" typeface="Sylfaen"/>
+        <a:font script="Armn" typeface="Arial"/>
+        <a:font script="Bugi" typeface="Leelawadee UI"/>
+        <a:font script="Bopo" typeface="Microsoft JhengHei"/>
+        <a:font script="Java" typeface="Javanese Text"/>
+        <a:font script="Lisu" typeface="Segoe UI"/>
+        <a:font script="Mymr" typeface="Myanmar Text"/>
+        <a:font script="Nkoo" typeface="Ebrima"/>
+        <a:font script="Olck" typeface="Nirmala UI"/>
+        <a:font script="Osma" typeface="Ebrima"/>
+        <a:font script="Phag" typeface="Phagspa"/>
+        <a:font script="Syrn" typeface="Estrangelo Edessa"/>
+        <a:font script="Syrj" typeface="Estrangelo Edessa"/>
+        <a:font script="Syre" typeface="Estrangelo Edessa"/>
+        <a:font script="Sora" typeface="Nirmala UI"/>
+        <a:font script="Tale" typeface="Microsoft Tai Le"/>
+        <a:font script="Talu" typeface="Microsoft New Tai Lue"/>
+        <a:font script="Tfng" typeface="Ebrima"/>
+      </a:minorFont>
+    </a:fontScheme>
+    <a:fmtScheme name="Office">
+      <a:fillStyleLst>
+        <a:solidFill>
+          <a:schemeClr val="phClr"/>
+        </a:solidFill>
+        <a:gradFill rotWithShape="1">
+          <a:gsLst>
+            <a:gs pos="0">
+              <a:schemeClr val="phClr">
+                <a:lumMod val="110000"/>
+                <a:satMod val="105000"/>
+                <a:tint val="67000"/>
+              </a:schemeClr>
+            </a:gs>
+            <a:gs pos="50000">
+              <a:schemeClr val="phClr">
+                <a:lumMod val="105000"/>
+                <a:satMod val="103000"/>
+                <a:tint val="73000"/>
+              </a:schemeClr>
+            </a:gs>
+            <a:gs pos="100000">
+              <a:schemeClr val="phClr">
+                <a:lumMod val="105000"/>
+                <a:satMod val="109000"/>
+                <a:tint val="81000"/>
+              </a:schemeClr>
+            </a:gs>
+          </a:gsLst>
+          <a:lin ang="5400000" scaled="0"/>
+        </a:gradFill>
+        <a:gradFill rotWithShape="1">
+          <a:gsLst>
+            <a:gs pos="0">
+              <a:schemeClr val="phClr">
+                <a:satMod val="103000"/>
+                <a:lumMod val="102000"/>
+                <a:tint val="94000"/>
+              </a:schemeClr>
+            </a:gs>
+            <a:gs pos="50000">
+              <a:schemeClr val="phClr">
+                <a:satMod val="110000"/>
+                <a:lumMod val="100000"/>
+                <a:shade val="100000"/>
+              </a:schemeClr>
+            </a:gs>
+            <a:gs pos="100000">
+              <a:schemeClr val="phClr">
+                <a:lumMod val="99000"/>
+                <a:satMod val="120000"/>
+                <a:shade val="78000"/>
+              </a:schemeClr>
+            </a:gs>
+          </a:gsLst>
+          <a:lin ang="5400000" scaled="0"/>
+        </a:gradFill>
+      </a:fillStyleLst>
+      <a:lnStyleLst>
+        <a:ln w="6350" cap="flat" cmpd="sng" algn="ctr">
+          <a:solidFill>
+            <a:schemeClr val="phClr"/>
+          </a:solidFill>
+          <a:prstDash val="solid"/>
+          <a:miter lim="800000"/>
+        </a:ln>
+        <a:ln w="12700" cap="flat" cmpd="sng" algn="ctr">
+          <a:solidFill>
+            <a:schemeClr val="phClr"/>
+          </a:solidFill>
+          <a:prstDash val="solid"/>
+          <a:miter lim="800000"/>
+        </a:ln>
+        <a:ln w="19050" cap="flat" cmpd="sng" algn="ctr">
+          <a:solidFill>
+            <a:schemeClr val="phClr"/>
+          </a:solidFill>
+          <a:prstDash val="solid"/>
+          <a:miter lim="800000"/>
+        </a:ln>
+      </a:lnStyleLst>
+      <a:effectStyleLst>
+        <a:effectStyle>
+          <a:effectLst/>
+        </a:effectStyle>
+        <a:effectStyle>
+          <a:effectLst/>
+        </a:effectStyle>
+        <a:effectStyle>
+          <a:effectLst>
+            <a:outerShdw blurRad="57150" dist="19050" dir="5400000" algn="ctr" rotWithShape="0">
+              <a:srgbClr val="000000">
+                <a:alpha val="63000"/>
+              </a:srgbClr>
+            </a:outerShdw>
+          </a:effectLst>
+        </a:effectStyle>
+      </a:effectStyleLst>
+      <a:bgFillStyleLst>
+        <a:solidFill>
+          <a:schemeClr val="phClr"/>
+        </a:solidFill>
+        <a:solidFill>
+          <a:schemeClr val="phClr">
+            <a:tint val="95000"/>
+            <a:satMod val="170000"/>
+          </a:schemeClr>
+        </a:solidFill>
+        <a:gradFill rotWithShape="1">
+          <a:gsLst>
+            <a:gs pos="0">
+              <a:schemeClr val="phClr">
+                <a:tint val="93000"/>
+                <a:satMod val="150000"/>
+                <a:shade val="98000"/>
+                <a:lumMod val="102000"/>
+              </a:schemeClr>
+            </a:gs>
+            <a:gs pos="50000">
+              <a:schemeClr val="phClr">
+                <a:tint val="98000"/>
+                <a:satMod val="130000"/>
+                <a:shade val="90000"/>
+                <a:lumMod val="103000"/>
+              </a:schemeClr>
+            </a:gs>
+            <a:gs pos="100000">
+              <a:schemeClr val="phClr">
+                <a:shade val="63000"/>
+                <a:satMod val="120000"/>
+              </a:schemeClr>
+            </a:gs>
+          </a:gsLst>
+          <a:lin ang="5400000" scaled="0"/>
+        </a:gradFill>
+      </a:bgFillStyleLst>
+    </a:fmtScheme>
+  </a:themeElements>
+  <a:objectDefaults/>
+  <a:extraClrSchemeLst/>
+  <a:extLst>
+    <a:ext uri="{05A4C25C-085E-4340-85A3-A5531E510DB2}">
+      <thm15:themeFamily xmlns:thm15="http://schemas.microsoft.com/office/thememl/2012/main" name="Office Theme" id="{62F939B6-93AF-4DB8-9C6B-D6C7DFDC589F}" vid="{4A3C46E8-61CC-4603-A589-7422A47A8E4A}"/>
+    </a:ext>
+  </a:extLst>
+</a:theme>
 </file>